--- a/WhyR.pptx
+++ b/WhyR.pptx
@@ -5,10 +5,10 @@
     <p:sldMasterId id="2147483648" r:id="rId1"/>
   </p:sldMasterIdLst>
   <p:notesMasterIdLst>
-    <p:notesMasterId r:id="rId22"/>
+    <p:notesMasterId r:id="rId20"/>
   </p:notesMasterIdLst>
   <p:handoutMasterIdLst>
-    <p:handoutMasterId r:id="rId23"/>
+    <p:handoutMasterId r:id="rId21"/>
   </p:handoutMasterIdLst>
   <p:sldIdLst>
     <p:sldId id="265" r:id="rId2"/>
@@ -16,21 +16,19 @@
     <p:sldId id="257" r:id="rId4"/>
     <p:sldId id="260" r:id="rId5"/>
     <p:sldId id="261" r:id="rId6"/>
-    <p:sldId id="262" r:id="rId7"/>
-    <p:sldId id="278" r:id="rId8"/>
-    <p:sldId id="267" r:id="rId9"/>
-    <p:sldId id="263" r:id="rId10"/>
-    <p:sldId id="271" r:id="rId11"/>
-    <p:sldId id="270" r:id="rId12"/>
-    <p:sldId id="272" r:id="rId13"/>
-    <p:sldId id="275" r:id="rId14"/>
-    <p:sldId id="276" r:id="rId15"/>
-    <p:sldId id="282" r:id="rId16"/>
-    <p:sldId id="273" r:id="rId17"/>
-    <p:sldId id="269" r:id="rId18"/>
-    <p:sldId id="281" r:id="rId19"/>
-    <p:sldId id="279" r:id="rId20"/>
-    <p:sldId id="280" r:id="rId21"/>
+    <p:sldId id="278" r:id="rId7"/>
+    <p:sldId id="267" r:id="rId8"/>
+    <p:sldId id="263" r:id="rId9"/>
+    <p:sldId id="271" r:id="rId10"/>
+    <p:sldId id="270" r:id="rId11"/>
+    <p:sldId id="272" r:id="rId12"/>
+    <p:sldId id="275" r:id="rId13"/>
+    <p:sldId id="276" r:id="rId14"/>
+    <p:sldId id="282" r:id="rId15"/>
+    <p:sldId id="273" r:id="rId16"/>
+    <p:sldId id="269" r:id="rId17"/>
+    <p:sldId id="279" r:id="rId18"/>
+    <p:sldId id="280" r:id="rId19"/>
   </p:sldIdLst>
   <p:sldSz cx="12192000" cy="6858000"/>
   <p:notesSz cx="6858000" cy="9144000"/>
@@ -189,7 +187,11 @@
             </a:lvl1pPr>
           </a:lstStyle>
           <a:p>
-            <a:endParaRPr lang="en-US"/>
+            <a:r>
+              <a:rPr lang="en-US" dirty="0" err="1" smtClean="0"/>
+              <a:t>WhyR</a:t>
+            </a:r>
+            <a:endParaRPr lang="en-US" dirty="0"/>
           </a:p>
         </p:txBody>
       </p:sp>
@@ -220,11 +222,11 @@
             </a:lvl1pPr>
           </a:lstStyle>
           <a:p>
-            <a:fld id="{EAF21EC6-C109-2648-BDD2-A6CCFD94D0D1}" type="datetimeFigureOut">
-              <a:rPr lang="en-US" smtClean="0"/>
-              <a:t>12/8/16</a:t>
-            </a:fld>
-            <a:endParaRPr lang="en-US"/>
+            <a:r>
+              <a:rPr lang="en-US" dirty="0" smtClean="0"/>
+              <a:t>2/8/17</a:t>
+            </a:r>
+            <a:endParaRPr lang="en-US" dirty="0"/>
           </a:p>
         </p:txBody>
       </p:sp>
@@ -255,7 +257,19 @@
             </a:lvl1pPr>
           </a:lstStyle>
           <a:p>
-            <a:endParaRPr lang="en-US"/>
+            <a:r>
+              <a:rPr lang="en-US" dirty="0" smtClean="0"/>
+              <a:t>Matthias Raess (</a:t>
+            </a:r>
+            <a:r>
+              <a:rPr lang="en-US" dirty="0" err="1" smtClean="0"/>
+              <a:t>mraess@bsu.edu</a:t>
+            </a:r>
+            <a:r>
+              <a:rPr lang="en-US" dirty="0" smtClean="0"/>
+              <a:t>)</a:t>
+            </a:r>
+            <a:endParaRPr lang="en-US" dirty="0"/>
           </a:p>
         </p:txBody>
       </p:sp>
@@ -387,7 +401,7 @@
           <a:p>
             <a:fld id="{DF1F5B32-5179-6C4A-AC67-723E700F44E7}" type="datetimeFigureOut">
               <a:rPr lang="en-US" smtClean="0"/>
-              <a:t>12/8/16</a:t>
+              <a:t>2/3/17</a:t>
             </a:fld>
             <a:endParaRPr lang="en-US"/>
           </a:p>
@@ -1018,7 +1032,7 @@
           <a:p>
             <a:fld id="{F41E6A74-A024-9449-BD2A-8C1BE5940BE8}" type="slidenum">
               <a:rPr lang="en-US" smtClean="0"/>
-              <a:t>7</a:t>
+              <a:t>6</a:t>
             </a:fld>
             <a:endParaRPr lang="en-US"/>
           </a:p>
@@ -1114,7 +1128,7 @@
           <a:p>
             <a:fld id="{F41E6A74-A024-9449-BD2A-8C1BE5940BE8}" type="slidenum">
               <a:rPr lang="en-US" smtClean="0"/>
-              <a:t>9</a:t>
+              <a:t>8</a:t>
             </a:fld>
             <a:endParaRPr lang="en-US"/>
           </a:p>
@@ -4250,15 +4264,7 @@
                   <a:schemeClr val="bg1"/>
                 </a:solidFill>
               </a:rPr>
-              <a:t> /          @</a:t>
-            </a:r>
-            <a:r>
-              <a:rPr lang="en-US" dirty="0" smtClean="0">
-                <a:solidFill>
-                  <a:schemeClr val="bg1"/>
-                </a:solidFill>
-              </a:rPr>
-              <a:t>primesty22</a:t>
+              <a:t> /          @primesty22</a:t>
             </a:r>
           </a:p>
           <a:p>
@@ -4367,7 +4373,138 @@
                   <a:schemeClr val="bg1"/>
                 </a:solidFill>
               </a:rPr>
-              <a:t>“Traditional” excel spread-sheet</a:t>
+              <a:t>How R structures data</a:t>
+            </a:r>
+            <a:endParaRPr lang="en-US" dirty="0">
+              <a:solidFill>
+                <a:schemeClr val="bg1"/>
+              </a:solidFill>
+            </a:endParaRPr>
+          </a:p>
+        </p:txBody>
+      </p:sp>
+      <p:sp>
+        <p:nvSpPr>
+          <p:cNvPr id="3" name="Content Placeholder 2"/>
+          <p:cNvSpPr>
+            <a:spLocks noGrp="1"/>
+          </p:cNvSpPr>
+          <p:nvPr>
+            <p:ph idx="1"/>
+          </p:nvPr>
+        </p:nvSpPr>
+        <p:spPr/>
+        <p:txBody>
+          <a:bodyPr/>
+          <a:lstStyle/>
+          <a:p>
+            <a:r>
+              <a:rPr lang="en-US" dirty="0" smtClean="0">
+                <a:solidFill>
+                  <a:schemeClr val="bg1"/>
+                </a:solidFill>
+              </a:rPr>
+              <a:t>The </a:t>
+            </a:r>
+            <a:r>
+              <a:rPr lang="en-US" dirty="0" smtClean="0">
+                <a:solidFill>
+                  <a:srgbClr val="FFFF00"/>
+                </a:solidFill>
+              </a:rPr>
+              <a:t>data frame </a:t>
+            </a:r>
+            <a:r>
+              <a:rPr lang="en-US" dirty="0" smtClean="0">
+                <a:solidFill>
+                  <a:schemeClr val="bg1"/>
+                </a:solidFill>
+              </a:rPr>
+              <a:t>(observations and variables)</a:t>
+            </a:r>
+          </a:p>
+          <a:p>
+            <a:r>
+              <a:rPr lang="en-US" dirty="0" smtClean="0">
+                <a:solidFill>
+                  <a:schemeClr val="bg1"/>
+                </a:solidFill>
+              </a:rPr>
+              <a:t>Tidy data paradigm (Wickham, 2014)</a:t>
+            </a:r>
+          </a:p>
+          <a:p>
+            <a:r>
+              <a:rPr lang="en-US" dirty="0" smtClean="0">
+                <a:solidFill>
+                  <a:schemeClr val="bg1"/>
+                </a:solidFill>
+              </a:rPr>
+              <a:t>&gt; </a:t>
+            </a:r>
+            <a:r>
+              <a:rPr lang="en-US" dirty="0" smtClean="0">
+                <a:solidFill>
+                  <a:srgbClr val="FFFF00"/>
+                </a:solidFill>
+              </a:rPr>
+              <a:t>One row per observation, one column per variable </a:t>
+            </a:r>
+            <a:r>
+              <a:rPr lang="en-US" dirty="0" smtClean="0">
+                <a:solidFill>
+                  <a:schemeClr val="bg1"/>
+                </a:solidFill>
+              </a:rPr>
+              <a:t>(long format)</a:t>
+            </a:r>
+          </a:p>
+          <a:p>
+            <a:r>
+              <a:rPr lang="en-US" dirty="0" smtClean="0">
+                <a:solidFill>
+                  <a:schemeClr val="bg1"/>
+                </a:solidFill>
+              </a:rPr>
+              <a:t>Also</a:t>
+            </a:r>
+          </a:p>
+          <a:p>
+            <a:pPr lvl="1"/>
+            <a:r>
+              <a:rPr lang="en-US" dirty="0" smtClean="0">
+                <a:solidFill>
+                  <a:schemeClr val="bg1"/>
+                </a:solidFill>
+              </a:rPr>
+              <a:t>Vectors (a </a:t>
+            </a:r>
+            <a:r>
+              <a:rPr lang="en-US" dirty="0">
+                <a:solidFill>
+                  <a:schemeClr val="bg1"/>
+                </a:solidFill>
+              </a:rPr>
+              <a:t>sequence of data elements of the same basic </a:t>
+            </a:r>
+            <a:r>
+              <a:rPr lang="en-US" dirty="0" smtClean="0">
+                <a:solidFill>
+                  <a:schemeClr val="bg1"/>
+                </a:solidFill>
+              </a:rPr>
+              <a:t>type)</a:t>
+            </a:r>
+          </a:p>
+          <a:p>
+            <a:pPr lvl="1"/>
+            <a:r>
+              <a:rPr lang="en-US" dirty="0" smtClean="0">
+                <a:solidFill>
+                  <a:schemeClr val="bg1"/>
+                </a:solidFill>
+              </a:rPr>
+              <a:t>and matrices (rows and columns)</a:t>
             </a:r>
             <a:endParaRPr lang="en-US" dirty="0">
               <a:solidFill>
@@ -4395,227 +4532,6 @@
             <a:fld id="{27E17346-BA8B-3749-B2E0-48FC9CDAE3E0}" type="slidenum">
               <a:rPr lang="en-US" smtClean="0"/>
               <a:t>10</a:t>
-            </a:fld>
-            <a:endParaRPr lang="en-US"/>
-          </a:p>
-        </p:txBody>
-      </p:sp>
-      <p:pic>
-        <p:nvPicPr>
-          <p:cNvPr id="3" name="Picture 2"/>
-          <p:cNvPicPr>
-            <a:picLocks noChangeAspect="1"/>
-          </p:cNvPicPr>
-          <p:nvPr/>
-        </p:nvPicPr>
-        <p:blipFill>
-          <a:blip r:embed="rId2">
-            <a:extLst>
-              <a:ext uri="{28A0092B-C50C-407E-A947-70E740481C1C}">
-                <a14:useLocalDpi xmlns:a14="http://schemas.microsoft.com/office/drawing/2010/main" val="0"/>
-              </a:ext>
-            </a:extLst>
-          </a:blip>
-          <a:stretch>
-            <a:fillRect/>
-          </a:stretch>
-        </p:blipFill>
-        <p:spPr>
-          <a:xfrm>
-            <a:off x="2393020" y="1027906"/>
-            <a:ext cx="7405959" cy="5500013"/>
-          </a:xfrm>
-          <a:prstGeom prst="rect">
-            <a:avLst/>
-          </a:prstGeom>
-        </p:spPr>
-      </p:pic>
-    </p:spTree>
-    <p:extLst>
-      <p:ext uri="{BB962C8B-B14F-4D97-AF65-F5344CB8AC3E}">
-        <p14:creationId xmlns:p14="http://schemas.microsoft.com/office/powerpoint/2010/main" val="299913160"/>
-      </p:ext>
-    </p:extLst>
-  </p:cSld>
-  <p:clrMapOvr>
-    <a:masterClrMapping/>
-  </p:clrMapOvr>
-  <p:timing>
-    <p:tnLst>
-      <p:par>
-        <p:cTn id="1" dur="indefinite" restart="never" nodeType="tmRoot"/>
-      </p:par>
-    </p:tnLst>
-  </p:timing>
-</p:sld>
-</file>
-
-<file path=ppt/slides/slide11.xml><?xml version="1.0" encoding="utf-8"?>
-<p:sld xmlns:a="http://schemas.openxmlformats.org/drawingml/2006/main" xmlns:r="http://schemas.openxmlformats.org/officeDocument/2006/relationships" xmlns:p="http://schemas.openxmlformats.org/presentationml/2006/main">
-  <p:cSld>
-    <p:spTree>
-      <p:nvGrpSpPr>
-        <p:cNvPr id="1" name=""/>
-        <p:cNvGrpSpPr/>
-        <p:nvPr/>
-      </p:nvGrpSpPr>
-      <p:grpSpPr>
-        <a:xfrm>
-          <a:off x="0" y="0"/>
-          <a:ext cx="0" cy="0"/>
-          <a:chOff x="0" y="0"/>
-          <a:chExt cx="0" cy="0"/>
-        </a:xfrm>
-      </p:grpSpPr>
-      <p:sp>
-        <p:nvSpPr>
-          <p:cNvPr id="2" name="Title 1"/>
-          <p:cNvSpPr>
-            <a:spLocks noGrp="1"/>
-          </p:cNvSpPr>
-          <p:nvPr>
-            <p:ph type="title"/>
-          </p:nvPr>
-        </p:nvSpPr>
-        <p:spPr/>
-        <p:txBody>
-          <a:bodyPr/>
-          <a:lstStyle/>
-          <a:p>
-            <a:pPr algn="ctr"/>
-            <a:r>
-              <a:rPr lang="en-US" dirty="0" smtClean="0">
-                <a:solidFill>
-                  <a:schemeClr val="bg1"/>
-                </a:solidFill>
-              </a:rPr>
-              <a:t>How R structures data</a:t>
-            </a:r>
-            <a:endParaRPr lang="en-US" dirty="0">
-              <a:solidFill>
-                <a:schemeClr val="bg1"/>
-              </a:solidFill>
-            </a:endParaRPr>
-          </a:p>
-        </p:txBody>
-      </p:sp>
-      <p:sp>
-        <p:nvSpPr>
-          <p:cNvPr id="3" name="Content Placeholder 2"/>
-          <p:cNvSpPr>
-            <a:spLocks noGrp="1"/>
-          </p:cNvSpPr>
-          <p:nvPr>
-            <p:ph idx="1"/>
-          </p:nvPr>
-        </p:nvSpPr>
-        <p:spPr/>
-        <p:txBody>
-          <a:bodyPr/>
-          <a:lstStyle/>
-          <a:p>
-            <a:r>
-              <a:rPr lang="en-US" dirty="0" smtClean="0">
-                <a:solidFill>
-                  <a:schemeClr val="bg1"/>
-                </a:solidFill>
-              </a:rPr>
-              <a:t>The data frame (observations and variables)</a:t>
-            </a:r>
-          </a:p>
-          <a:p>
-            <a:r>
-              <a:rPr lang="en-US" dirty="0" smtClean="0">
-                <a:solidFill>
-                  <a:schemeClr val="bg1"/>
-                </a:solidFill>
-              </a:rPr>
-              <a:t>Tidy data paradigm (Wickham, 2014)</a:t>
-            </a:r>
-          </a:p>
-          <a:p>
-            <a:r>
-              <a:rPr lang="en-US" dirty="0" smtClean="0">
-                <a:solidFill>
-                  <a:schemeClr val="bg1"/>
-                </a:solidFill>
-              </a:rPr>
-              <a:t>&gt; One row per observation, one column per variable (long format)</a:t>
-            </a:r>
-          </a:p>
-          <a:p>
-            <a:r>
-              <a:rPr lang="en-US" dirty="0" smtClean="0">
-                <a:solidFill>
-                  <a:schemeClr val="bg1"/>
-                </a:solidFill>
-              </a:rPr>
-              <a:t>Also</a:t>
-            </a:r>
-          </a:p>
-          <a:p>
-            <a:pPr lvl="1"/>
-            <a:r>
-              <a:rPr lang="en-US" dirty="0" smtClean="0">
-                <a:solidFill>
-                  <a:schemeClr val="bg1"/>
-                </a:solidFill>
-              </a:rPr>
-              <a:t>Vectors (a </a:t>
-            </a:r>
-            <a:r>
-              <a:rPr lang="en-US" dirty="0">
-                <a:solidFill>
-                  <a:schemeClr val="bg1"/>
-                </a:solidFill>
-              </a:rPr>
-              <a:t>sequence of data elements of the same basic </a:t>
-            </a:r>
-            <a:r>
-              <a:rPr lang="en-US" dirty="0" smtClean="0">
-                <a:solidFill>
-                  <a:schemeClr val="bg1"/>
-                </a:solidFill>
-              </a:rPr>
-              <a:t>type)</a:t>
-            </a:r>
-          </a:p>
-          <a:p>
-            <a:pPr lvl="1"/>
-            <a:r>
-              <a:rPr lang="en-US" dirty="0" smtClean="0">
-                <a:solidFill>
-                  <a:schemeClr val="bg1"/>
-                </a:solidFill>
-              </a:rPr>
-              <a:t>and matrices (rows and columns)</a:t>
-            </a:r>
-            <a:endParaRPr lang="en-US" dirty="0">
-              <a:solidFill>
-                <a:schemeClr val="bg1"/>
-              </a:solidFill>
-            </a:endParaRPr>
-          </a:p>
-        </p:txBody>
-      </p:sp>
-      <p:sp>
-        <p:nvSpPr>
-          <p:cNvPr id="4" name="Slide Number Placeholder 3"/>
-          <p:cNvSpPr>
-            <a:spLocks noGrp="1"/>
-          </p:cNvSpPr>
-          <p:nvPr>
-            <p:ph type="sldNum" sz="quarter" idx="12"/>
-          </p:nvPr>
-        </p:nvSpPr>
-        <p:spPr/>
-        <p:txBody>
-          <a:bodyPr/>
-          <a:lstStyle/>
-          <a:p>
-            <a:fld id="{27E17346-BA8B-3749-B2E0-48FC9CDAE3E0}" type="slidenum">
-              <a:rPr lang="en-US" smtClean="0"/>
-              <a:t>11</a:t>
             </a:fld>
             <a:endParaRPr lang="en-US"/>
           </a:p>
@@ -4925,7 +4841,7 @@
 </p:sld>
 </file>
 
-<file path=ppt/slides/slide12.xml><?xml version="1.0" encoding="utf-8"?>
+<file path=ppt/slides/slide11.xml><?xml version="1.0" encoding="utf-8"?>
 <p:sld xmlns:a="http://schemas.openxmlformats.org/drawingml/2006/main" xmlns:r="http://schemas.openxmlformats.org/officeDocument/2006/relationships" xmlns:p="http://schemas.openxmlformats.org/presentationml/2006/main">
   <p:cSld>
     <p:spTree>
@@ -4991,7 +4907,7 @@
           <a:p>
             <a:fld id="{27E17346-BA8B-3749-B2E0-48FC9CDAE3E0}" type="slidenum">
               <a:rPr lang="en-US" smtClean="0"/>
-              <a:t>12</a:t>
+              <a:t>11</a:t>
             </a:fld>
             <a:endParaRPr lang="en-US"/>
           </a:p>
@@ -5522,7 +5438,7 @@
 </p:sld>
 </file>
 
-<file path=ppt/slides/slide13.xml><?xml version="1.0" encoding="utf-8"?>
+<file path=ppt/slides/slide12.xml><?xml version="1.0" encoding="utf-8"?>
 <p:sld xmlns:a="http://schemas.openxmlformats.org/drawingml/2006/main" xmlns:r="http://schemas.openxmlformats.org/officeDocument/2006/relationships" xmlns:p="http://schemas.openxmlformats.org/presentationml/2006/main">
   <p:cSld>
     <p:spTree>
@@ -5594,7 +5510,7 @@
             <a:r>
               <a:rPr lang="en-US" dirty="0" smtClean="0">
                 <a:solidFill>
-                  <a:schemeClr val="bg1"/>
+                  <a:srgbClr val="FFFF00"/>
                 </a:solidFill>
               </a:rPr>
               <a:t>Categorical variables</a:t>
@@ -5634,7 +5550,7 @@
             <a:r>
               <a:rPr lang="en-US" dirty="0" smtClean="0">
                 <a:solidFill>
-                  <a:schemeClr val="bg1"/>
+                  <a:srgbClr val="FFFF00"/>
                 </a:solidFill>
               </a:rPr>
               <a:t>Continuous variables</a:t>
@@ -5727,7 +5643,7 @@
           <a:p>
             <a:fld id="{27E17346-BA8B-3749-B2E0-48FC9CDAE3E0}" type="slidenum">
               <a:rPr lang="en-US" smtClean="0"/>
-              <a:t>13</a:t>
+              <a:t>12</a:t>
             </a:fld>
             <a:endParaRPr lang="en-US" dirty="0"/>
           </a:p>
@@ -6081,7 +5997,7 @@
 </p:sld>
 </file>
 
-<file path=ppt/slides/slide14.xml><?xml version="1.0" encoding="utf-8"?>
+<file path=ppt/slides/slide13.xml><?xml version="1.0" encoding="utf-8"?>
 <p:sld xmlns:a="http://schemas.openxmlformats.org/drawingml/2006/main" xmlns:r="http://schemas.openxmlformats.org/officeDocument/2006/relationships" xmlns:p="http://schemas.openxmlformats.org/presentationml/2006/main">
   <p:cSld>
     <p:spTree>
@@ -6163,7 +6079,7 @@
           <a:p>
             <a:fld id="{27E17346-BA8B-3749-B2E0-48FC9CDAE3E0}" type="slidenum">
               <a:rPr lang="en-US" smtClean="0"/>
-              <a:t>14</a:t>
+              <a:t>13</a:t>
             </a:fld>
             <a:endParaRPr lang="en-US"/>
           </a:p>
@@ -6740,7 +6656,7 @@
 </p:sld>
 </file>
 
-<file path=ppt/slides/slide15.xml><?xml version="1.0" encoding="utf-8"?>
+<file path=ppt/slides/slide14.xml><?xml version="1.0" encoding="utf-8"?>
 <p:sld xmlns:a="http://schemas.openxmlformats.org/drawingml/2006/main" xmlns:r="http://schemas.openxmlformats.org/officeDocument/2006/relationships" xmlns:p="http://schemas.openxmlformats.org/presentationml/2006/main">
   <p:cSld>
     <p:spTree>
@@ -6899,7 +6815,7 @@
           <a:p>
             <a:fld id="{27E17346-BA8B-3749-B2E0-48FC9CDAE3E0}" type="slidenum">
               <a:rPr lang="en-US" smtClean="0"/>
-              <a:t>15</a:t>
+              <a:t>14</a:t>
             </a:fld>
             <a:endParaRPr lang="en-US"/>
           </a:p>
@@ -7076,7 +6992,7 @@
 </p:sld>
 </file>
 
-<file path=ppt/slides/slide16.xml><?xml version="1.0" encoding="utf-8"?>
+<file path=ppt/slides/slide15.xml><?xml version="1.0" encoding="utf-8"?>
 <p:sld xmlns:a="http://schemas.openxmlformats.org/drawingml/2006/main" xmlns:r="http://schemas.openxmlformats.org/officeDocument/2006/relationships" xmlns:p="http://schemas.openxmlformats.org/presentationml/2006/main">
   <p:cSld>
     <p:spTree>
@@ -7139,7 +7055,7 @@
           <a:p>
             <a:fld id="{27E17346-BA8B-3749-B2E0-48FC9CDAE3E0}" type="slidenum">
               <a:rPr lang="en-US" smtClean="0"/>
-              <a:t>16</a:t>
+              <a:t>15</a:t>
             </a:fld>
             <a:endParaRPr lang="en-US"/>
           </a:p>
@@ -7165,7 +7081,7 @@
 </p:sld>
 </file>
 
-<file path=ppt/slides/slide17.xml><?xml version="1.0" encoding="utf-8"?>
+<file path=ppt/slides/slide16.xml><?xml version="1.0" encoding="utf-8"?>
 <p:sld xmlns:a="http://schemas.openxmlformats.org/drawingml/2006/main" xmlns:r="http://schemas.openxmlformats.org/officeDocument/2006/relationships" xmlns:p="http://schemas.openxmlformats.org/presentationml/2006/main">
   <p:cSld>
     <p:bg>
@@ -7241,7 +7157,7 @@
           <a:p>
             <a:fld id="{27E17346-BA8B-3749-B2E0-48FC9CDAE3E0}" type="slidenum">
               <a:rPr lang="en-US" smtClean="0"/>
-              <a:t>17</a:t>
+              <a:t>16</a:t>
             </a:fld>
             <a:endParaRPr lang="en-US"/>
           </a:p>
@@ -8194,7 +8110,7 @@
 </p:sld>
 </file>
 
-<file path=ppt/slides/slide18.xml><?xml version="1.0" encoding="utf-8"?>
+<file path=ppt/slides/slide17.xml><?xml version="1.0" encoding="utf-8"?>
 <p:sld xmlns:a="http://schemas.openxmlformats.org/drawingml/2006/main" xmlns:r="http://schemas.openxmlformats.org/officeDocument/2006/relationships" xmlns:p="http://schemas.openxmlformats.org/presentationml/2006/main">
   <p:cSld>
     <p:spTree>
@@ -8211,42 +8127,6 @@
           <a:chExt cx="0" cy="0"/>
         </a:xfrm>
       </p:grpSpPr>
-      <p:pic>
-        <p:nvPicPr>
-          <p:cNvPr id="5" name="Content Placeholder 4"/>
-          <p:cNvPicPr>
-            <a:picLocks noGrp="1" noChangeAspect="1"/>
-          </p:cNvPicPr>
-          <p:nvPr>
-            <p:ph idx="1"/>
-          </p:nvPr>
-        </p:nvPicPr>
-        <p:blipFill>
-          <a:blip r:embed="rId2">
-            <a:extLst>
-              <a:ext uri="{28A0092B-C50C-407E-A947-70E740481C1C}">
-                <a14:useLocalDpi xmlns:a14="http://schemas.microsoft.com/office/drawing/2010/main" val="0"/>
-              </a:ext>
-            </a:extLst>
-          </a:blip>
-          <a:stretch>
-            <a:fillRect/>
-          </a:stretch>
-        </p:blipFill>
-        <p:spPr>
-          <a:xfrm>
-            <a:off x="1217357" y="228463"/>
-            <a:ext cx="8430322" cy="6346909"/>
-          </a:xfrm>
-          <a:noFill/>
-          <a:ln>
-            <a:noFill/>
-          </a:ln>
-          <a:effectLst>
-            <a:softEdge rad="12700"/>
-          </a:effectLst>
-        </p:spPr>
-      </p:pic>
       <p:sp>
         <p:nvSpPr>
           <p:cNvPr id="4" name="Slide Number Placeholder 3"/>
@@ -8264,67 +8144,7 @@
           <a:p>
             <a:fld id="{27E17346-BA8B-3749-B2E0-48FC9CDAE3E0}" type="slidenum">
               <a:rPr lang="en-US" smtClean="0"/>
-              <a:t>18</a:t>
-            </a:fld>
-            <a:endParaRPr lang="en-US"/>
-          </a:p>
-        </p:txBody>
-      </p:sp>
-    </p:spTree>
-    <p:extLst>
-      <p:ext uri="{BB962C8B-B14F-4D97-AF65-F5344CB8AC3E}">
-        <p14:creationId xmlns:p14="http://schemas.microsoft.com/office/powerpoint/2010/main" val="270808426"/>
-      </p:ext>
-    </p:extLst>
-  </p:cSld>
-  <p:clrMapOvr>
-    <a:masterClrMapping/>
-  </p:clrMapOvr>
-  <p:timing>
-    <p:tnLst>
-      <p:par>
-        <p:cTn id="1" dur="indefinite" restart="never" nodeType="tmRoot"/>
-      </p:par>
-    </p:tnLst>
-  </p:timing>
-</p:sld>
-</file>
-
-<file path=ppt/slides/slide19.xml><?xml version="1.0" encoding="utf-8"?>
-<p:sld xmlns:a="http://schemas.openxmlformats.org/drawingml/2006/main" xmlns:r="http://schemas.openxmlformats.org/officeDocument/2006/relationships" xmlns:p="http://schemas.openxmlformats.org/presentationml/2006/main">
-  <p:cSld>
-    <p:spTree>
-      <p:nvGrpSpPr>
-        <p:cNvPr id="1" name=""/>
-        <p:cNvGrpSpPr/>
-        <p:nvPr/>
-      </p:nvGrpSpPr>
-      <p:grpSpPr>
-        <a:xfrm>
-          <a:off x="0" y="0"/>
-          <a:ext cx="0" cy="0"/>
-          <a:chOff x="0" y="0"/>
-          <a:chExt cx="0" cy="0"/>
-        </a:xfrm>
-      </p:grpSpPr>
-      <p:sp>
-        <p:nvSpPr>
-          <p:cNvPr id="4" name="Slide Number Placeholder 3"/>
-          <p:cNvSpPr>
-            <a:spLocks noGrp="1"/>
-          </p:cNvSpPr>
-          <p:nvPr>
-            <p:ph type="sldNum" sz="quarter" idx="12"/>
-          </p:nvPr>
-        </p:nvSpPr>
-        <p:spPr/>
-        <p:txBody>
-          <a:bodyPr/>
-          <a:lstStyle/>
-          <a:p>
-            <a:fld id="{27E17346-BA8B-3749-B2E0-48FC9CDAE3E0}" type="slidenum">
-              <a:rPr lang="en-US" smtClean="0"/>
-              <a:t>19</a:t>
+              <a:t>17</a:t>
             </a:fld>
             <a:endParaRPr lang="en-US" dirty="0"/>
           </a:p>
@@ -8543,6 +8363,326 @@
           </a:p>
         </p:txBody>
       </p:sp>
+      <p:sp>
+        <p:nvSpPr>
+          <p:cNvPr id="3" name="Rectangle 2"/>
+          <p:cNvSpPr/>
+          <p:nvPr/>
+        </p:nvSpPr>
+        <p:spPr>
+          <a:xfrm>
+            <a:off x="785308" y="1269402"/>
+            <a:ext cx="2764716" cy="537883"/>
+          </a:xfrm>
+          <a:prstGeom prst="rect">
+            <a:avLst/>
+          </a:prstGeom>
+          <a:noFill/>
+          <a:ln w="38100">
+            <a:solidFill>
+              <a:srgbClr val="FF0000"/>
+            </a:solidFill>
+          </a:ln>
+        </p:spPr>
+        <p:style>
+          <a:lnRef idx="2">
+            <a:schemeClr val="accent1">
+              <a:shade val="50000"/>
+            </a:schemeClr>
+          </a:lnRef>
+          <a:fillRef idx="1">
+            <a:schemeClr val="accent1"/>
+          </a:fillRef>
+          <a:effectRef idx="0">
+            <a:schemeClr val="accent1"/>
+          </a:effectRef>
+          <a:fontRef idx="minor">
+            <a:schemeClr val="lt1"/>
+          </a:fontRef>
+        </p:style>
+        <p:txBody>
+          <a:bodyPr rtlCol="0" anchor="ctr"/>
+          <a:lstStyle/>
+          <a:p>
+            <a:pPr algn="ctr"/>
+            <a:endParaRPr lang="en-US"/>
+          </a:p>
+        </p:txBody>
+      </p:sp>
+      <p:sp>
+        <p:nvSpPr>
+          <p:cNvPr id="5" name="TextBox 4"/>
+          <p:cNvSpPr txBox="1"/>
+          <p:nvPr/>
+        </p:nvSpPr>
+        <p:spPr>
+          <a:xfrm>
+            <a:off x="4247038" y="1805940"/>
+            <a:ext cx="4821985" cy="4154984"/>
+          </a:xfrm>
+          <a:prstGeom prst="rect">
+            <a:avLst/>
+          </a:prstGeom>
+          <a:solidFill>
+            <a:schemeClr val="tx2">
+              <a:lumMod val="90000"/>
+            </a:schemeClr>
+          </a:solidFill>
+        </p:spPr>
+        <p:txBody>
+          <a:bodyPr wrap="square" rtlCol="0">
+            <a:spAutoFit/>
+          </a:bodyPr>
+          <a:lstStyle/>
+          <a:p>
+            <a:r>
+              <a:rPr lang="en-US" sz="2400" dirty="0" smtClean="0">
+                <a:solidFill>
+                  <a:schemeClr val="bg1"/>
+                </a:solidFill>
+              </a:rPr>
+              <a:t>To </a:t>
+            </a:r>
+            <a:r>
+              <a:rPr lang="en-US" sz="2400" dirty="0" smtClean="0">
+                <a:solidFill>
+                  <a:srgbClr val="FFFF00"/>
+                </a:solidFill>
+              </a:rPr>
+              <a:t>”run” </a:t>
+            </a:r>
+            <a:r>
+              <a:rPr lang="en-US" sz="2400" dirty="0" smtClean="0">
+                <a:solidFill>
+                  <a:schemeClr val="bg1"/>
+                </a:solidFill>
+              </a:rPr>
+              <a:t>code in R, place the cursor on the line you want to run and press </a:t>
+            </a:r>
+            <a:r>
+              <a:rPr lang="en-US" sz="2400" dirty="0" err="1" smtClean="0">
+                <a:solidFill>
+                  <a:srgbClr val="FFFF00"/>
+                </a:solidFill>
+              </a:rPr>
+              <a:t>Cmd</a:t>
+            </a:r>
+            <a:r>
+              <a:rPr lang="en-US" sz="2400" dirty="0" smtClean="0">
+                <a:solidFill>
+                  <a:srgbClr val="FFFF00"/>
+                </a:solidFill>
+              </a:rPr>
+              <a:t> + Enter</a:t>
+            </a:r>
+          </a:p>
+          <a:p>
+            <a:endParaRPr lang="en-US" sz="2400" dirty="0">
+              <a:solidFill>
+                <a:schemeClr val="bg1"/>
+              </a:solidFill>
+            </a:endParaRPr>
+          </a:p>
+          <a:p>
+            <a:r>
+              <a:rPr lang="en-US" sz="2400" dirty="0" smtClean="0">
+                <a:solidFill>
+                  <a:schemeClr val="bg1"/>
+                </a:solidFill>
+              </a:rPr>
+              <a:t>Running </a:t>
+            </a:r>
+            <a:r>
+              <a:rPr lang="en-US" sz="2400" dirty="0" smtClean="0">
+                <a:solidFill>
+                  <a:srgbClr val="FFFF00"/>
+                </a:solidFill>
+              </a:rPr>
+              <a:t>more than one line</a:t>
+            </a:r>
+            <a:r>
+              <a:rPr lang="en-US" sz="2400" dirty="0" smtClean="0">
+                <a:solidFill>
+                  <a:schemeClr val="bg1"/>
+                </a:solidFill>
+              </a:rPr>
+              <a:t>: </a:t>
+            </a:r>
+            <a:r>
+              <a:rPr lang="en-US" sz="2400" dirty="0" smtClean="0">
+                <a:solidFill>
+                  <a:srgbClr val="FFFF00"/>
+                </a:solidFill>
+              </a:rPr>
+              <a:t>highlight</a:t>
+            </a:r>
+            <a:r>
+              <a:rPr lang="en-US" sz="2400" dirty="0" smtClean="0">
+                <a:solidFill>
+                  <a:schemeClr val="bg1"/>
+                </a:solidFill>
+              </a:rPr>
+              <a:t> the lines and press </a:t>
+            </a:r>
+            <a:r>
+              <a:rPr lang="en-US" sz="2400" dirty="0" err="1" smtClean="0">
+                <a:solidFill>
+                  <a:srgbClr val="FFFF00"/>
+                </a:solidFill>
+              </a:rPr>
+              <a:t>Cmd</a:t>
+            </a:r>
+            <a:r>
+              <a:rPr lang="en-US" sz="2400" dirty="0" smtClean="0">
+                <a:solidFill>
+                  <a:srgbClr val="FFFF00"/>
+                </a:solidFill>
+              </a:rPr>
+              <a:t> + Enter</a:t>
+            </a:r>
+          </a:p>
+          <a:p>
+            <a:endParaRPr lang="en-US" sz="2400" dirty="0">
+              <a:solidFill>
+                <a:schemeClr val="bg1"/>
+              </a:solidFill>
+            </a:endParaRPr>
+          </a:p>
+          <a:p>
+            <a:r>
+              <a:rPr lang="en-US" sz="2400" dirty="0" smtClean="0">
+                <a:solidFill>
+                  <a:schemeClr val="bg1"/>
+                </a:solidFill>
+              </a:rPr>
+              <a:t>To run the </a:t>
+            </a:r>
+            <a:r>
+              <a:rPr lang="en-US" sz="2400" dirty="0" smtClean="0">
+                <a:solidFill>
+                  <a:srgbClr val="FFFF00"/>
+                </a:solidFill>
+              </a:rPr>
+              <a:t>same ”block” of lines </a:t>
+            </a:r>
+            <a:r>
+              <a:rPr lang="en-US" sz="2400" dirty="0" smtClean="0">
+                <a:solidFill>
+                  <a:schemeClr val="bg1"/>
+                </a:solidFill>
+              </a:rPr>
+              <a:t>again (e.g. with </a:t>
+            </a:r>
+            <a:r>
+              <a:rPr lang="en-US" sz="2400" smtClean="0">
+                <a:solidFill>
+                  <a:schemeClr val="bg1"/>
+                </a:solidFill>
+              </a:rPr>
+              <a:t>slight changes), </a:t>
+            </a:r>
+            <a:r>
+              <a:rPr lang="en-US" sz="2400" dirty="0" smtClean="0">
+                <a:solidFill>
+                  <a:schemeClr val="bg1"/>
+                </a:solidFill>
+              </a:rPr>
+              <a:t>press </a:t>
+            </a:r>
+            <a:r>
+              <a:rPr lang="en-US" sz="2400" dirty="0" err="1" smtClean="0">
+                <a:solidFill>
+                  <a:srgbClr val="FFFF00"/>
+                </a:solidFill>
+              </a:rPr>
+              <a:t>Cmd</a:t>
+            </a:r>
+            <a:r>
+              <a:rPr lang="en-US" sz="2400" dirty="0" smtClean="0">
+                <a:solidFill>
+                  <a:srgbClr val="FFFF00"/>
+                </a:solidFill>
+              </a:rPr>
+              <a:t> + Shift + P</a:t>
+            </a:r>
+            <a:endParaRPr lang="en-US" sz="2400" dirty="0">
+              <a:solidFill>
+                <a:srgbClr val="FFFF00"/>
+              </a:solidFill>
+            </a:endParaRPr>
+          </a:p>
+        </p:txBody>
+      </p:sp>
+      <p:cxnSp>
+        <p:nvCxnSpPr>
+          <p:cNvPr id="9" name="Straight Connector 8"/>
+          <p:cNvCxnSpPr/>
+          <p:nvPr/>
+        </p:nvCxnSpPr>
+        <p:spPr>
+          <a:xfrm>
+            <a:off x="3586562" y="1398494"/>
+            <a:ext cx="1953626" cy="0"/>
+          </a:xfrm>
+          <a:prstGeom prst="line">
+            <a:avLst/>
+          </a:prstGeom>
+          <a:ln w="28575">
+            <a:solidFill>
+              <a:srgbClr val="FF0000"/>
+            </a:solidFill>
+          </a:ln>
+        </p:spPr>
+        <p:style>
+          <a:lnRef idx="1">
+            <a:schemeClr val="accent1"/>
+          </a:lnRef>
+          <a:fillRef idx="0">
+            <a:schemeClr val="accent1"/>
+          </a:fillRef>
+          <a:effectRef idx="0">
+            <a:schemeClr val="accent1"/>
+          </a:effectRef>
+          <a:fontRef idx="minor">
+            <a:schemeClr val="tx1"/>
+          </a:fontRef>
+        </p:style>
+      </p:cxnSp>
+      <p:cxnSp>
+        <p:nvCxnSpPr>
+          <p:cNvPr id="13" name="Straight Connector 12"/>
+          <p:cNvCxnSpPr/>
+          <p:nvPr/>
+        </p:nvCxnSpPr>
+        <p:spPr>
+          <a:xfrm>
+            <a:off x="5540188" y="1398494"/>
+            <a:ext cx="0" cy="407446"/>
+          </a:xfrm>
+          <a:prstGeom prst="line">
+            <a:avLst/>
+          </a:prstGeom>
+          <a:ln w="28575">
+            <a:solidFill>
+              <a:srgbClr val="FF0000"/>
+            </a:solidFill>
+          </a:ln>
+        </p:spPr>
+        <p:style>
+          <a:lnRef idx="1">
+            <a:schemeClr val="accent1"/>
+          </a:lnRef>
+          <a:fillRef idx="0">
+            <a:schemeClr val="accent1"/>
+          </a:fillRef>
+          <a:effectRef idx="0">
+            <a:schemeClr val="accent1"/>
+          </a:effectRef>
+          <a:fontRef idx="minor">
+            <a:schemeClr val="tx1"/>
+          </a:fontRef>
+        </p:style>
+      </p:cxnSp>
     </p:spTree>
     <p:extLst>
       <p:ext uri="{BB962C8B-B14F-4D97-AF65-F5344CB8AC3E}">
@@ -8858,6 +8998,132 @@
                       </p:childTnLst>
                     </p:cTn>
                   </p:par>
+                  <p:par>
+                    <p:cTn id="28" fill="hold">
+                      <p:stCondLst>
+                        <p:cond delay="indefinite"/>
+                      </p:stCondLst>
+                      <p:childTnLst>
+                        <p:par>
+                          <p:cTn id="29" fill="hold">
+                            <p:stCondLst>
+                              <p:cond delay="0"/>
+                            </p:stCondLst>
+                            <p:childTnLst>
+                              <p:par>
+                                <p:cTn id="30" presetID="1" presetClass="entr" presetSubtype="0" fill="hold" grpId="0" nodeType="clickEffect">
+                                  <p:stCondLst>
+                                    <p:cond delay="0"/>
+                                  </p:stCondLst>
+                                  <p:childTnLst>
+                                    <p:set>
+                                      <p:cBhvr>
+                                        <p:cTn id="31" dur="1" fill="hold">
+                                          <p:stCondLst>
+                                            <p:cond delay="0"/>
+                                          </p:stCondLst>
+                                        </p:cTn>
+                                        <p:tgtEl>
+                                          <p:spTgt spid="3"/>
+                                        </p:tgtEl>
+                                        <p:attrNameLst>
+                                          <p:attrName>style.visibility</p:attrName>
+                                        </p:attrNameLst>
+                                      </p:cBhvr>
+                                      <p:to>
+                                        <p:strVal val="visible"/>
+                                      </p:to>
+                                    </p:set>
+                                  </p:childTnLst>
+                                </p:cTn>
+                              </p:par>
+                              <p:par>
+                                <p:cTn id="32" presetID="1" presetClass="entr" presetSubtype="0" fill="hold" nodeType="withEffect">
+                                  <p:stCondLst>
+                                    <p:cond delay="0"/>
+                                  </p:stCondLst>
+                                  <p:childTnLst>
+                                    <p:set>
+                                      <p:cBhvr>
+                                        <p:cTn id="33" dur="1" fill="hold">
+                                          <p:stCondLst>
+                                            <p:cond delay="0"/>
+                                          </p:stCondLst>
+                                        </p:cTn>
+                                        <p:tgtEl>
+                                          <p:spTgt spid="9"/>
+                                        </p:tgtEl>
+                                        <p:attrNameLst>
+                                          <p:attrName>style.visibility</p:attrName>
+                                        </p:attrNameLst>
+                                      </p:cBhvr>
+                                      <p:to>
+                                        <p:strVal val="visible"/>
+                                      </p:to>
+                                    </p:set>
+                                  </p:childTnLst>
+                                </p:cTn>
+                              </p:par>
+                              <p:par>
+                                <p:cTn id="34" presetID="1" presetClass="entr" presetSubtype="0" fill="hold" nodeType="withEffect">
+                                  <p:stCondLst>
+                                    <p:cond delay="0"/>
+                                  </p:stCondLst>
+                                  <p:childTnLst>
+                                    <p:set>
+                                      <p:cBhvr>
+                                        <p:cTn id="35" dur="1" fill="hold">
+                                          <p:stCondLst>
+                                            <p:cond delay="0"/>
+                                          </p:stCondLst>
+                                        </p:cTn>
+                                        <p:tgtEl>
+                                          <p:spTgt spid="13"/>
+                                        </p:tgtEl>
+                                        <p:attrNameLst>
+                                          <p:attrName>style.visibility</p:attrName>
+                                        </p:attrNameLst>
+                                      </p:cBhvr>
+                                      <p:to>
+                                        <p:strVal val="visible"/>
+                                      </p:to>
+                                    </p:set>
+                                  </p:childTnLst>
+                                </p:cTn>
+                              </p:par>
+                              <p:par>
+                                <p:cTn id="36" presetID="1" presetClass="entr" presetSubtype="0" fill="hold" grpId="0" nodeType="withEffect">
+                                  <p:stCondLst>
+                                    <p:cond delay="0"/>
+                                  </p:stCondLst>
+                                  <p:childTnLst>
+                                    <p:set>
+                                      <p:cBhvr>
+                                        <p:cTn id="37" dur="1" fill="hold">
+                                          <p:stCondLst>
+                                            <p:cond delay="0"/>
+                                          </p:stCondLst>
+                                        </p:cTn>
+                                        <p:tgtEl>
+                                          <p:spTgt spid="5"/>
+                                        </p:tgtEl>
+                                        <p:attrNameLst>
+                                          <p:attrName>style.visibility</p:attrName>
+                                        </p:attrNameLst>
+                                      </p:cBhvr>
+                                      <p:to>
+                                        <p:strVal val="visible"/>
+                                      </p:to>
+                                    </p:set>
+                                  </p:childTnLst>
+                                </p:cTn>
+                              </p:par>
+                            </p:childTnLst>
+                          </p:cTn>
+                        </p:par>
+                      </p:childTnLst>
+                    </p:cTn>
+                  </p:par>
                 </p:childTnLst>
               </p:cTn>
               <p:prevCondLst>
@@ -8888,7 +9154,144 @@
       <p:bldP spid="10" grpId="1" animBg="1"/>
       <p:bldP spid="11" grpId="0" animBg="1"/>
       <p:bldP spid="11" grpId="1" animBg="1"/>
+      <p:bldP spid="3" grpId="0" animBg="1"/>
+      <p:bldP spid="5" grpId="0" animBg="1"/>
     </p:bldLst>
+  </p:timing>
+</p:sld>
+</file>
+
+<file path=ppt/slides/slide18.xml><?xml version="1.0" encoding="utf-8"?>
+<p:sld xmlns:a="http://schemas.openxmlformats.org/drawingml/2006/main" xmlns:r="http://schemas.openxmlformats.org/officeDocument/2006/relationships" xmlns:p="http://schemas.openxmlformats.org/presentationml/2006/main">
+  <p:cSld>
+    <p:spTree>
+      <p:nvGrpSpPr>
+        <p:cNvPr id="1" name=""/>
+        <p:cNvGrpSpPr/>
+        <p:nvPr/>
+      </p:nvGrpSpPr>
+      <p:grpSpPr>
+        <a:xfrm>
+          <a:off x="0" y="0"/>
+          <a:ext cx="0" cy="0"/>
+          <a:chOff x="0" y="0"/>
+          <a:chExt cx="0" cy="0"/>
+        </a:xfrm>
+      </p:grpSpPr>
+      <p:sp>
+        <p:nvSpPr>
+          <p:cNvPr id="4" name="Slide Number Placeholder 3"/>
+          <p:cNvSpPr>
+            <a:spLocks noGrp="1"/>
+          </p:cNvSpPr>
+          <p:nvPr>
+            <p:ph type="sldNum" sz="quarter" idx="12"/>
+          </p:nvPr>
+        </p:nvSpPr>
+        <p:spPr/>
+        <p:txBody>
+          <a:bodyPr/>
+          <a:lstStyle/>
+          <a:p>
+            <a:fld id="{27E17346-BA8B-3749-B2E0-48FC9CDAE3E0}" type="slidenum">
+              <a:rPr lang="en-US" smtClean="0"/>
+              <a:t>18</a:t>
+            </a:fld>
+            <a:endParaRPr lang="en-US" dirty="0"/>
+          </a:p>
+        </p:txBody>
+      </p:sp>
+      <p:pic>
+        <p:nvPicPr>
+          <p:cNvPr id="5" name="Content Placeholder 4"/>
+          <p:cNvPicPr>
+            <a:picLocks noGrp="1" noChangeAspect="1"/>
+          </p:cNvPicPr>
+          <p:nvPr>
+            <p:ph idx="1"/>
+          </p:nvPr>
+        </p:nvPicPr>
+        <p:blipFill>
+          <a:blip r:embed="rId2">
+            <a:extLst>
+              <a:ext uri="{28A0092B-C50C-407E-A947-70E740481C1C}">
+                <a14:useLocalDpi xmlns:a14="http://schemas.microsoft.com/office/drawing/2010/main" val="0"/>
+              </a:ext>
+            </a:extLst>
+          </a:blip>
+          <a:stretch>
+            <a:fillRect/>
+          </a:stretch>
+        </p:blipFill>
+        <p:spPr>
+          <a:xfrm>
+            <a:off x="464099" y="0"/>
+            <a:ext cx="11296454" cy="6858000"/>
+          </a:xfrm>
+        </p:spPr>
+      </p:pic>
+      <p:sp>
+        <p:nvSpPr>
+          <p:cNvPr id="6" name="Rectangle 5"/>
+          <p:cNvSpPr/>
+          <p:nvPr/>
+        </p:nvSpPr>
+        <p:spPr>
+          <a:xfrm>
+            <a:off x="3173110" y="1550020"/>
+            <a:ext cx="6115856" cy="3468029"/>
+          </a:xfrm>
+          <a:prstGeom prst="rect">
+            <a:avLst/>
+          </a:prstGeom>
+          <a:noFill/>
+          <a:ln w="50800">
+            <a:solidFill>
+              <a:srgbClr val="FF0000"/>
+            </a:solidFill>
+          </a:ln>
+        </p:spPr>
+        <p:style>
+          <a:lnRef idx="2">
+            <a:schemeClr val="accent1">
+              <a:shade val="50000"/>
+            </a:schemeClr>
+          </a:lnRef>
+          <a:fillRef idx="1">
+            <a:schemeClr val="accent1"/>
+          </a:fillRef>
+          <a:effectRef idx="0">
+            <a:schemeClr val="accent1"/>
+          </a:effectRef>
+          <a:fontRef idx="minor">
+            <a:schemeClr val="lt1"/>
+          </a:fontRef>
+        </p:style>
+        <p:txBody>
+          <a:bodyPr rtlCol="0" anchor="ctr"/>
+          <a:lstStyle/>
+          <a:p>
+            <a:pPr algn="ctr"/>
+            <a:endParaRPr lang="en-US"/>
+          </a:p>
+        </p:txBody>
+      </p:sp>
+    </p:spTree>
+    <p:extLst>
+      <p:ext uri="{BB962C8B-B14F-4D97-AF65-F5344CB8AC3E}">
+        <p14:creationId xmlns:p14="http://schemas.microsoft.com/office/powerpoint/2010/main" val="2128480040"/>
+      </p:ext>
+    </p:extLst>
+  </p:cSld>
+  <p:clrMapOvr>
+    <a:masterClrMapping/>
+  </p:clrMapOvr>
+  <p:timing>
+    <p:tnLst>
+      <p:par>
+        <p:cTn id="1" dur="indefinite" restart="never" nodeType="tmRoot"/>
+      </p:par>
+    </p:tnLst>
   </p:timing>
 </p:sld>
 </file>
@@ -9281,141 +9684,6 @@
 </p:sld>
 </file>
 
-<file path=ppt/slides/slide20.xml><?xml version="1.0" encoding="utf-8"?>
-<p:sld xmlns:a="http://schemas.openxmlformats.org/drawingml/2006/main" xmlns:r="http://schemas.openxmlformats.org/officeDocument/2006/relationships" xmlns:p="http://schemas.openxmlformats.org/presentationml/2006/main">
-  <p:cSld>
-    <p:spTree>
-      <p:nvGrpSpPr>
-        <p:cNvPr id="1" name=""/>
-        <p:cNvGrpSpPr/>
-        <p:nvPr/>
-      </p:nvGrpSpPr>
-      <p:grpSpPr>
-        <a:xfrm>
-          <a:off x="0" y="0"/>
-          <a:ext cx="0" cy="0"/>
-          <a:chOff x="0" y="0"/>
-          <a:chExt cx="0" cy="0"/>
-        </a:xfrm>
-      </p:grpSpPr>
-      <p:sp>
-        <p:nvSpPr>
-          <p:cNvPr id="4" name="Slide Number Placeholder 3"/>
-          <p:cNvSpPr>
-            <a:spLocks noGrp="1"/>
-          </p:cNvSpPr>
-          <p:nvPr>
-            <p:ph type="sldNum" sz="quarter" idx="12"/>
-          </p:nvPr>
-        </p:nvSpPr>
-        <p:spPr/>
-        <p:txBody>
-          <a:bodyPr/>
-          <a:lstStyle/>
-          <a:p>
-            <a:fld id="{27E17346-BA8B-3749-B2E0-48FC9CDAE3E0}" type="slidenum">
-              <a:rPr lang="en-US" smtClean="0"/>
-              <a:t>20</a:t>
-            </a:fld>
-            <a:endParaRPr lang="en-US" dirty="0"/>
-          </a:p>
-        </p:txBody>
-      </p:sp>
-      <p:pic>
-        <p:nvPicPr>
-          <p:cNvPr id="5" name="Content Placeholder 4"/>
-          <p:cNvPicPr>
-            <a:picLocks noGrp="1" noChangeAspect="1"/>
-          </p:cNvPicPr>
-          <p:nvPr>
-            <p:ph idx="1"/>
-          </p:nvPr>
-        </p:nvPicPr>
-        <p:blipFill>
-          <a:blip r:embed="rId2">
-            <a:extLst>
-              <a:ext uri="{28A0092B-C50C-407E-A947-70E740481C1C}">
-                <a14:useLocalDpi xmlns:a14="http://schemas.microsoft.com/office/drawing/2010/main" val="0"/>
-              </a:ext>
-            </a:extLst>
-          </a:blip>
-          <a:stretch>
-            <a:fillRect/>
-          </a:stretch>
-        </p:blipFill>
-        <p:spPr>
-          <a:xfrm>
-            <a:off x="464099" y="0"/>
-            <a:ext cx="11296454" cy="6858000"/>
-          </a:xfrm>
-        </p:spPr>
-      </p:pic>
-      <p:sp>
-        <p:nvSpPr>
-          <p:cNvPr id="6" name="Rectangle 5"/>
-          <p:cNvSpPr/>
-          <p:nvPr/>
-        </p:nvSpPr>
-        <p:spPr>
-          <a:xfrm>
-            <a:off x="3173110" y="1550020"/>
-            <a:ext cx="6115856" cy="3468029"/>
-          </a:xfrm>
-          <a:prstGeom prst="rect">
-            <a:avLst/>
-          </a:prstGeom>
-          <a:noFill/>
-          <a:ln w="50800">
-            <a:solidFill>
-              <a:srgbClr val="FF0000"/>
-            </a:solidFill>
-          </a:ln>
-        </p:spPr>
-        <p:style>
-          <a:lnRef idx="2">
-            <a:schemeClr val="accent1">
-              <a:shade val="50000"/>
-            </a:schemeClr>
-          </a:lnRef>
-          <a:fillRef idx="1">
-            <a:schemeClr val="accent1"/>
-          </a:fillRef>
-          <a:effectRef idx="0">
-            <a:schemeClr val="accent1"/>
-          </a:effectRef>
-          <a:fontRef idx="minor">
-            <a:schemeClr val="lt1"/>
-          </a:fontRef>
-        </p:style>
-        <p:txBody>
-          <a:bodyPr rtlCol="0" anchor="ctr"/>
-          <a:lstStyle/>
-          <a:p>
-            <a:pPr algn="ctr"/>
-            <a:endParaRPr lang="en-US"/>
-          </a:p>
-        </p:txBody>
-      </p:sp>
-    </p:spTree>
-    <p:extLst>
-      <p:ext uri="{BB962C8B-B14F-4D97-AF65-F5344CB8AC3E}">
-        <p14:creationId xmlns:p14="http://schemas.microsoft.com/office/powerpoint/2010/main" val="2128480040"/>
-      </p:ext>
-    </p:extLst>
-  </p:cSld>
-  <p:clrMapOvr>
-    <a:masterClrMapping/>
-  </p:clrMapOvr>
-  <p:timing>
-    <p:tnLst>
-      <p:par>
-        <p:cTn id="1" dur="indefinite" restart="never" nodeType="tmRoot"/>
-      </p:par>
-    </p:tnLst>
-  </p:timing>
-</p:sld>
-</file>
-
 <file path=ppt/slides/slide3.xml><?xml version="1.0" encoding="utf-8"?>
 <p:sld xmlns:a="http://schemas.openxmlformats.org/drawingml/2006/main" xmlns:r="http://schemas.openxmlformats.org/officeDocument/2006/relationships" xmlns:p="http://schemas.openxmlformats.org/presentationml/2006/main">
   <p:cSld>
@@ -9601,11 +9869,6 @@
               </a:rPr>
               <a:t> and GitHub</a:t>
             </a:r>
-            <a:endParaRPr lang="en-US" dirty="0" smtClean="0">
-              <a:solidFill>
-                <a:schemeClr val="bg1"/>
-              </a:solidFill>
-            </a:endParaRPr>
           </a:p>
           <a:p>
             <a:r>
@@ -11004,378 +11267,6 @@
                   <a:schemeClr val="bg1"/>
                 </a:solidFill>
               </a:rPr>
-              <a:t>Why R </a:t>
-            </a:r>
-            <a:r>
-              <a:rPr lang="en-US" dirty="0" err="1" smtClean="0">
-                <a:solidFill>
-                  <a:schemeClr val="bg1"/>
-                </a:solidFill>
-              </a:rPr>
-              <a:t>cont</a:t>
-            </a:r>
-            <a:r>
-              <a:rPr lang="en-US" dirty="0" smtClean="0">
-                <a:solidFill>
-                  <a:schemeClr val="bg1"/>
-                </a:solidFill>
-              </a:rPr>
-              <a:t>’ III</a:t>
-            </a:r>
-            <a:endParaRPr lang="en-US" dirty="0">
-              <a:solidFill>
-                <a:schemeClr val="bg1"/>
-              </a:solidFill>
-            </a:endParaRPr>
-          </a:p>
-        </p:txBody>
-      </p:sp>
-      <p:sp>
-        <p:nvSpPr>
-          <p:cNvPr id="3" name="Content Placeholder 2"/>
-          <p:cNvSpPr>
-            <a:spLocks noGrp="1"/>
-          </p:cNvSpPr>
-          <p:nvPr>
-            <p:ph idx="1"/>
-          </p:nvPr>
-        </p:nvSpPr>
-        <p:spPr/>
-        <p:txBody>
-          <a:bodyPr/>
-          <a:lstStyle/>
-          <a:p>
-            <a:r>
-              <a:rPr lang="en-US" dirty="0" smtClean="0">
-                <a:solidFill>
-                  <a:schemeClr val="bg1"/>
-                </a:solidFill>
-              </a:rPr>
-              <a:t>Learning the skills of data science is easiest in R</a:t>
-            </a:r>
-          </a:p>
-          <a:p>
-            <a:r>
-              <a:rPr lang="en-US" dirty="0" smtClean="0">
-                <a:solidFill>
-                  <a:schemeClr val="bg1"/>
-                </a:solidFill>
-              </a:rPr>
-              <a:t>Data wrangling (80% of data science is data manipulation) e.g. R packages, </a:t>
-            </a:r>
-            <a:r>
-              <a:rPr lang="en-US" dirty="0" err="1" smtClean="0">
-                <a:solidFill>
-                  <a:schemeClr val="bg1"/>
-                </a:solidFill>
-              </a:rPr>
-              <a:t>dplyr</a:t>
-            </a:r>
-            <a:r>
-              <a:rPr lang="en-US" dirty="0" smtClean="0">
-                <a:solidFill>
-                  <a:schemeClr val="bg1"/>
-                </a:solidFill>
-              </a:rPr>
-              <a:t>, </a:t>
-            </a:r>
-            <a:r>
-              <a:rPr lang="en-US" dirty="0" err="1" smtClean="0">
-                <a:solidFill>
-                  <a:schemeClr val="bg1"/>
-                </a:solidFill>
-              </a:rPr>
-              <a:t>tidyr</a:t>
-            </a:r>
-            <a:r>
-              <a:rPr lang="en-US" dirty="0" smtClean="0">
-                <a:solidFill>
-                  <a:schemeClr val="bg1"/>
-                </a:solidFill>
-              </a:rPr>
-              <a:t>, </a:t>
-            </a:r>
-            <a:r>
-              <a:rPr lang="en-US" dirty="0" err="1" smtClean="0">
-                <a:solidFill>
-                  <a:schemeClr val="bg1"/>
-                </a:solidFill>
-              </a:rPr>
-              <a:t>plyr</a:t>
-            </a:r>
-            <a:endParaRPr lang="en-US" dirty="0" smtClean="0">
-              <a:solidFill>
-                <a:schemeClr val="bg1"/>
-              </a:solidFill>
-            </a:endParaRPr>
-          </a:p>
-          <a:p>
-            <a:r>
-              <a:rPr lang="en-US" dirty="0" smtClean="0">
-                <a:solidFill>
-                  <a:schemeClr val="bg1"/>
-                </a:solidFill>
-              </a:rPr>
-              <a:t>Create publication quality graphs (ggplot2 is one of the best tools around)</a:t>
-            </a:r>
-          </a:p>
-        </p:txBody>
-      </p:sp>
-      <p:sp>
-        <p:nvSpPr>
-          <p:cNvPr id="4" name="Slide Number Placeholder 3"/>
-          <p:cNvSpPr>
-            <a:spLocks noGrp="1"/>
-          </p:cNvSpPr>
-          <p:nvPr>
-            <p:ph type="sldNum" sz="quarter" idx="12"/>
-          </p:nvPr>
-        </p:nvSpPr>
-        <p:spPr/>
-        <p:txBody>
-          <a:bodyPr/>
-          <a:lstStyle/>
-          <a:p>
-            <a:fld id="{27E17346-BA8B-3749-B2E0-48FC9CDAE3E0}" type="slidenum">
-              <a:rPr lang="en-US" smtClean="0"/>
-              <a:t>6</a:t>
-            </a:fld>
-            <a:endParaRPr lang="en-US"/>
-          </a:p>
-        </p:txBody>
-      </p:sp>
-    </p:spTree>
-    <p:extLst>
-      <p:ext uri="{BB962C8B-B14F-4D97-AF65-F5344CB8AC3E}">
-        <p14:creationId xmlns:p14="http://schemas.microsoft.com/office/powerpoint/2010/main" val="257478052"/>
-      </p:ext>
-    </p:extLst>
-  </p:cSld>
-  <p:clrMapOvr>
-    <a:masterClrMapping/>
-  </p:clrMapOvr>
-  <p:timing>
-    <p:tnLst>
-      <p:par>
-        <p:cTn id="1" dur="indefinite" restart="never" nodeType="tmRoot">
-          <p:childTnLst>
-            <p:seq concurrent="1" nextAc="seek">
-              <p:cTn id="2" dur="indefinite" nodeType="mainSeq">
-                <p:childTnLst>
-                  <p:par>
-                    <p:cTn id="3" fill="hold">
-                      <p:stCondLst>
-                        <p:cond delay="indefinite"/>
-                      </p:stCondLst>
-                      <p:childTnLst>
-                        <p:par>
-                          <p:cTn id="4" fill="hold">
-                            <p:stCondLst>
-                              <p:cond delay="0"/>
-                            </p:stCondLst>
-                            <p:childTnLst>
-                              <p:par>
-                                <p:cTn id="5" presetID="1" presetClass="entr" presetSubtype="0" fill="hold" grpId="0" nodeType="clickEffect">
-                                  <p:stCondLst>
-                                    <p:cond delay="0"/>
-                                  </p:stCondLst>
-                                  <p:childTnLst>
-                                    <p:set>
-                                      <p:cBhvr>
-                                        <p:cTn id="6" dur="1" fill="hold">
-                                          <p:stCondLst>
-                                            <p:cond delay="0"/>
-                                          </p:stCondLst>
-                                        </p:cTn>
-                                        <p:tgtEl>
-                                          <p:spTgt spid="3">
-                                            <p:txEl>
-                                              <p:pRg st="0" end="0"/>
-                                            </p:txEl>
-                                          </p:spTgt>
-                                        </p:tgtEl>
-                                        <p:attrNameLst>
-                                          <p:attrName>style.visibility</p:attrName>
-                                        </p:attrNameLst>
-                                      </p:cBhvr>
-                                      <p:to>
-                                        <p:strVal val="visible"/>
-                                      </p:to>
-                                    </p:set>
-                                  </p:childTnLst>
-                                </p:cTn>
-                              </p:par>
-                            </p:childTnLst>
-                          </p:cTn>
-                        </p:par>
-                      </p:childTnLst>
-                    </p:cTn>
-                  </p:par>
-                  <p:par>
-                    <p:cTn id="7" fill="hold">
-                      <p:stCondLst>
-                        <p:cond delay="indefinite"/>
-                      </p:stCondLst>
-                      <p:childTnLst>
-                        <p:par>
-                          <p:cTn id="8" fill="hold">
-                            <p:stCondLst>
-                              <p:cond delay="0"/>
-                            </p:stCondLst>
-                            <p:childTnLst>
-                              <p:par>
-                                <p:cTn id="9" presetID="1" presetClass="entr" presetSubtype="0" fill="hold" grpId="0" nodeType="clickEffect">
-                                  <p:stCondLst>
-                                    <p:cond delay="0"/>
-                                  </p:stCondLst>
-                                  <p:childTnLst>
-                                    <p:set>
-                                      <p:cBhvr>
-                                        <p:cTn id="10" dur="1" fill="hold">
-                                          <p:stCondLst>
-                                            <p:cond delay="0"/>
-                                          </p:stCondLst>
-                                        </p:cTn>
-                                        <p:tgtEl>
-                                          <p:spTgt spid="3">
-                                            <p:txEl>
-                                              <p:pRg st="1" end="1"/>
-                                            </p:txEl>
-                                          </p:spTgt>
-                                        </p:tgtEl>
-                                        <p:attrNameLst>
-                                          <p:attrName>style.visibility</p:attrName>
-                                        </p:attrNameLst>
-                                      </p:cBhvr>
-                                      <p:to>
-                                        <p:strVal val="visible"/>
-                                      </p:to>
-                                    </p:set>
-                                  </p:childTnLst>
-                                </p:cTn>
-                              </p:par>
-                            </p:childTnLst>
-                          </p:cTn>
-                        </p:par>
-                      </p:childTnLst>
-                    </p:cTn>
-                  </p:par>
-                  <p:par>
-                    <p:cTn id="11" fill="hold">
-                      <p:stCondLst>
-                        <p:cond delay="indefinite"/>
-                      </p:stCondLst>
-                      <p:childTnLst>
-                        <p:par>
-                          <p:cTn id="12" fill="hold">
-                            <p:stCondLst>
-                              <p:cond delay="0"/>
-                            </p:stCondLst>
-                            <p:childTnLst>
-                              <p:par>
-                                <p:cTn id="13" presetID="1" presetClass="entr" presetSubtype="0" fill="hold" grpId="0" nodeType="clickEffect">
-                                  <p:stCondLst>
-                                    <p:cond delay="0"/>
-                                  </p:stCondLst>
-                                  <p:childTnLst>
-                                    <p:set>
-                                      <p:cBhvr>
-                                        <p:cTn id="14" dur="1" fill="hold">
-                                          <p:stCondLst>
-                                            <p:cond delay="0"/>
-                                          </p:stCondLst>
-                                        </p:cTn>
-                                        <p:tgtEl>
-                                          <p:spTgt spid="3">
-                                            <p:txEl>
-                                              <p:pRg st="2" end="2"/>
-                                            </p:txEl>
-                                          </p:spTgt>
-                                        </p:tgtEl>
-                                        <p:attrNameLst>
-                                          <p:attrName>style.visibility</p:attrName>
-                                        </p:attrNameLst>
-                                      </p:cBhvr>
-                                      <p:to>
-                                        <p:strVal val="visible"/>
-                                      </p:to>
-                                    </p:set>
-                                  </p:childTnLst>
-                                </p:cTn>
-                              </p:par>
-                            </p:childTnLst>
-                          </p:cTn>
-                        </p:par>
-                      </p:childTnLst>
-                    </p:cTn>
-                  </p:par>
-                </p:childTnLst>
-              </p:cTn>
-              <p:prevCondLst>
-                <p:cond evt="onPrev" delay="0">
-                  <p:tgtEl>
-                    <p:sldTgt/>
-                  </p:tgtEl>
-                </p:cond>
-              </p:prevCondLst>
-              <p:nextCondLst>
-                <p:cond evt="onNext" delay="0">
-                  <p:tgtEl>
-                    <p:sldTgt/>
-                  </p:tgtEl>
-                </p:cond>
-              </p:nextCondLst>
-            </p:seq>
-          </p:childTnLst>
-        </p:cTn>
-      </p:par>
-    </p:tnLst>
-    <p:bldLst>
-      <p:bldP spid="3" grpId="0" build="p"/>
-    </p:bldLst>
-  </p:timing>
-</p:sld>
-</file>
-
-<file path=ppt/slides/slide7.xml><?xml version="1.0" encoding="utf-8"?>
-<p:sld xmlns:a="http://schemas.openxmlformats.org/drawingml/2006/main" xmlns:r="http://schemas.openxmlformats.org/officeDocument/2006/relationships" xmlns:p="http://schemas.openxmlformats.org/presentationml/2006/main">
-  <p:cSld>
-    <p:spTree>
-      <p:nvGrpSpPr>
-        <p:cNvPr id="1" name=""/>
-        <p:cNvGrpSpPr/>
-        <p:nvPr/>
-      </p:nvGrpSpPr>
-      <p:grpSpPr>
-        <a:xfrm>
-          <a:off x="0" y="0"/>
-          <a:ext cx="0" cy="0"/>
-          <a:chOff x="0" y="0"/>
-          <a:chExt cx="0" cy="0"/>
-        </a:xfrm>
-      </p:grpSpPr>
-      <p:sp>
-        <p:nvSpPr>
-          <p:cNvPr id="2" name="Title 1"/>
-          <p:cNvSpPr>
-            <a:spLocks noGrp="1"/>
-          </p:cNvSpPr>
-          <p:nvPr>
-            <p:ph type="title"/>
-          </p:nvPr>
-        </p:nvSpPr>
-        <p:spPr/>
-        <p:txBody>
-          <a:bodyPr/>
-          <a:lstStyle/>
-          <a:p>
-            <a:pPr algn="ctr"/>
-            <a:r>
-              <a:rPr lang="en-US" dirty="0" smtClean="0">
-                <a:solidFill>
-                  <a:schemeClr val="bg1"/>
-                </a:solidFill>
-              </a:rPr>
               <a:t>Why I learned R</a:t>
             </a:r>
             <a:endParaRPr lang="en-US" dirty="0">
@@ -11432,7 +11323,7 @@
           <a:p>
             <a:fld id="{27E17346-BA8B-3749-B2E0-48FC9CDAE3E0}" type="slidenum">
               <a:rPr lang="en-US" smtClean="0"/>
-              <a:t>7</a:t>
+              <a:t>6</a:t>
             </a:fld>
             <a:endParaRPr lang="en-US"/>
           </a:p>
@@ -11526,6 +11417,247 @@
 </p:sld>
 </file>
 
+<file path=ppt/slides/slide7.xml><?xml version="1.0" encoding="utf-8"?>
+<p:sld xmlns:a="http://schemas.openxmlformats.org/drawingml/2006/main" xmlns:r="http://schemas.openxmlformats.org/officeDocument/2006/relationships" xmlns:p="http://schemas.openxmlformats.org/presentationml/2006/main">
+  <p:cSld>
+    <p:spTree>
+      <p:nvGrpSpPr>
+        <p:cNvPr id="1" name=""/>
+        <p:cNvGrpSpPr/>
+        <p:nvPr/>
+      </p:nvGrpSpPr>
+      <p:grpSpPr>
+        <a:xfrm>
+          <a:off x="0" y="0"/>
+          <a:ext cx="0" cy="0"/>
+          <a:chOff x="0" y="0"/>
+          <a:chExt cx="0" cy="0"/>
+        </a:xfrm>
+      </p:grpSpPr>
+      <p:sp>
+        <p:nvSpPr>
+          <p:cNvPr id="2" name="Title 1"/>
+          <p:cNvSpPr>
+            <a:spLocks noGrp="1"/>
+          </p:cNvSpPr>
+          <p:nvPr>
+            <p:ph type="title"/>
+          </p:nvPr>
+        </p:nvSpPr>
+        <p:spPr/>
+        <p:txBody>
+          <a:bodyPr/>
+          <a:lstStyle/>
+          <a:p>
+            <a:pPr algn="ctr"/>
+            <a:r>
+              <a:rPr lang="en-US" dirty="0" smtClean="0">
+                <a:solidFill>
+                  <a:schemeClr val="bg1"/>
+                </a:solidFill>
+              </a:rPr>
+              <a:t>Learning R</a:t>
+            </a:r>
+            <a:endParaRPr lang="en-US" dirty="0">
+              <a:solidFill>
+                <a:schemeClr val="bg1"/>
+              </a:solidFill>
+            </a:endParaRPr>
+          </a:p>
+        </p:txBody>
+      </p:sp>
+      <p:sp>
+        <p:nvSpPr>
+          <p:cNvPr id="3" name="Content Placeholder 2"/>
+          <p:cNvSpPr>
+            <a:spLocks noGrp="1"/>
+          </p:cNvSpPr>
+          <p:nvPr>
+            <p:ph idx="1"/>
+          </p:nvPr>
+        </p:nvSpPr>
+        <p:spPr/>
+        <p:txBody>
+          <a:bodyPr/>
+          <a:lstStyle/>
+          <a:p>
+            <a:r>
+              <a:rPr lang="en-US" dirty="0" smtClean="0"/>
+              <a:t>Lynda</a:t>
+            </a:r>
+            <a:r>
+              <a:rPr lang="en-US" dirty="0" smtClean="0">
+                <a:solidFill>
+                  <a:schemeClr val="bg1"/>
+                </a:solidFill>
+              </a:rPr>
+              <a:t> – Up and running with </a:t>
+            </a:r>
+            <a:r>
+              <a:rPr lang="en-US" dirty="0" smtClean="0">
+                <a:solidFill>
+                  <a:schemeClr val="bg1"/>
+                </a:solidFill>
+              </a:rPr>
+              <a:t>R – one of the best and ‘softest</a:t>
+            </a:r>
+            <a:r>
+              <a:rPr lang="en-US" smtClean="0">
+                <a:solidFill>
+                  <a:schemeClr val="bg1"/>
+                </a:solidFill>
+              </a:rPr>
+              <a:t>’ intros</a:t>
+            </a:r>
+            <a:endParaRPr lang="en-US" dirty="0" smtClean="0">
+              <a:solidFill>
+                <a:schemeClr val="bg1"/>
+              </a:solidFill>
+            </a:endParaRPr>
+          </a:p>
+          <a:p>
+            <a:r>
+              <a:rPr lang="en-US" dirty="0" smtClean="0"/>
+              <a:t>Lynda</a:t>
+            </a:r>
+            <a:r>
+              <a:rPr lang="en-US" dirty="0" smtClean="0">
+                <a:solidFill>
+                  <a:schemeClr val="bg1"/>
+                </a:solidFill>
+              </a:rPr>
+              <a:t> – R statistics essential training</a:t>
+            </a:r>
+          </a:p>
+          <a:p>
+            <a:r>
+              <a:rPr lang="en-US" dirty="0" smtClean="0"/>
+              <a:t>Code School </a:t>
+            </a:r>
+            <a:r>
+              <a:rPr lang="en-US" dirty="0" smtClean="0">
+                <a:solidFill>
+                  <a:schemeClr val="bg1"/>
+                </a:solidFill>
+              </a:rPr>
+              <a:t>– a very soft introduction to R</a:t>
+            </a:r>
+            <a:endParaRPr lang="en-US" dirty="0">
+              <a:solidFill>
+                <a:schemeClr val="bg1"/>
+              </a:solidFill>
+            </a:endParaRPr>
+          </a:p>
+          <a:p>
+            <a:r>
+              <a:rPr lang="en-US" dirty="0" smtClean="0"/>
+              <a:t>DataCamp</a:t>
+            </a:r>
+            <a:r>
+              <a:rPr lang="en-US" dirty="0" smtClean="0">
+                <a:solidFill>
+                  <a:schemeClr val="bg1"/>
+                </a:solidFill>
+              </a:rPr>
+              <a:t> – Learn R for data science</a:t>
+            </a:r>
+          </a:p>
+          <a:p>
+            <a:r>
+              <a:rPr lang="en-US" dirty="0" smtClean="0"/>
+              <a:t>edX</a:t>
+            </a:r>
+            <a:r>
+              <a:rPr lang="en-US" dirty="0" smtClean="0">
+                <a:solidFill>
+                  <a:schemeClr val="bg1"/>
+                </a:solidFill>
+              </a:rPr>
+              <a:t> – Intro to R for data science – powered by Microsoft</a:t>
+            </a:r>
+          </a:p>
+          <a:p>
+            <a:r>
+              <a:rPr lang="en-US" dirty="0" smtClean="0"/>
+              <a:t>Coursera</a:t>
+            </a:r>
+            <a:r>
+              <a:rPr lang="en-US" dirty="0" smtClean="0">
+                <a:solidFill>
+                  <a:schemeClr val="bg1"/>
+                </a:solidFill>
+              </a:rPr>
+              <a:t> – Data science specialization (Johns Hopkins University) – the most time consuming </a:t>
+            </a:r>
+            <a:r>
+              <a:rPr lang="en-US" dirty="0" smtClean="0">
+                <a:solidFill>
+                  <a:schemeClr val="bg1"/>
+                </a:solidFill>
+              </a:rPr>
+              <a:t>option</a:t>
+            </a:r>
+            <a:endParaRPr lang="en-US" dirty="0">
+              <a:solidFill>
+                <a:schemeClr val="bg1"/>
+              </a:solidFill>
+            </a:endParaRPr>
+          </a:p>
+          <a:p>
+            <a:endParaRPr lang="en-US" dirty="0">
+              <a:solidFill>
+                <a:schemeClr val="bg1"/>
+              </a:solidFill>
+            </a:endParaRPr>
+          </a:p>
+          <a:p>
+            <a:endParaRPr lang="en-US" dirty="0"/>
+          </a:p>
+        </p:txBody>
+      </p:sp>
+      <p:sp>
+        <p:nvSpPr>
+          <p:cNvPr id="4" name="Slide Number Placeholder 3"/>
+          <p:cNvSpPr>
+            <a:spLocks noGrp="1"/>
+          </p:cNvSpPr>
+          <p:nvPr>
+            <p:ph type="sldNum" sz="quarter" idx="12"/>
+          </p:nvPr>
+        </p:nvSpPr>
+        <p:spPr/>
+        <p:txBody>
+          <a:bodyPr/>
+          <a:lstStyle/>
+          <a:p>
+            <a:fld id="{27E17346-BA8B-3749-B2E0-48FC9CDAE3E0}" type="slidenum">
+              <a:rPr lang="en-US" smtClean="0"/>
+              <a:t>7</a:t>
+            </a:fld>
+            <a:endParaRPr lang="en-US"/>
+          </a:p>
+        </p:txBody>
+      </p:sp>
+    </p:spTree>
+    <p:extLst>
+      <p:ext uri="{BB962C8B-B14F-4D97-AF65-F5344CB8AC3E}">
+        <p14:creationId xmlns:p14="http://schemas.microsoft.com/office/powerpoint/2010/main" val="91428536"/>
+      </p:ext>
+    </p:extLst>
+  </p:cSld>
+  <p:clrMapOvr>
+    <a:masterClrMapping/>
+  </p:clrMapOvr>
+  <p:timing>
+    <p:tnLst>
+      <p:par>
+        <p:cTn id="1" dur="indefinite" restart="never" nodeType="tmRoot"/>
+      </p:par>
+    </p:tnLst>
+  </p:timing>
+</p:sld>
+</file>
+
 <file path=ppt/slides/slide8.xml><?xml version="1.0" encoding="utf-8"?>
 <p:sld xmlns:a="http://schemas.openxmlformats.org/drawingml/2006/main" xmlns:r="http://schemas.openxmlformats.org/officeDocument/2006/relationships" xmlns:p="http://schemas.openxmlformats.org/presentationml/2006/main">
   <p:cSld>
@@ -11565,7 +11697,7 @@
                   <a:schemeClr val="bg1"/>
                 </a:solidFill>
               </a:rPr>
-              <a:t>Learning R</a:t>
+              <a:t>Resources</a:t>
             </a:r>
             <a:endParaRPr lang="en-US" dirty="0">
               <a:solidFill>
@@ -11585,14 +11717,25 @@
             <p:ph idx="1"/>
           </p:nvPr>
         </p:nvSpPr>
-        <p:spPr/>
+        <p:spPr>
+          <a:xfrm>
+            <a:off x="838200" y="1599994"/>
+            <a:ext cx="10515600" cy="4351338"/>
+          </a:xfrm>
+        </p:spPr>
         <p:txBody>
           <a:bodyPr/>
           <a:lstStyle/>
           <a:p>
             <a:r>
               <a:rPr lang="en-US" dirty="0" smtClean="0"/>
-              <a:t>Lynda</a:t>
+              <a:t>QuickR</a:t>
+            </a:r>
+          </a:p>
+          <a:p>
+            <a:r>
+              <a:rPr lang="en-US" dirty="0" smtClean="0"/>
+              <a:t>Rbloggers</a:t>
             </a:r>
             <a:r>
               <a:rPr lang="en-US" dirty="0" smtClean="0">
@@ -11600,13 +11743,13 @@
                   <a:schemeClr val="bg1"/>
                 </a:solidFill>
               </a:rPr>
-              <a:t> – Up and running with R</a:t>
+              <a:t> – R news and tutorials (580 contributors!!)</a:t>
             </a:r>
           </a:p>
           <a:p>
             <a:r>
               <a:rPr lang="en-US" dirty="0" smtClean="0"/>
-              <a:t>Lynda</a:t>
+              <a:t>STHDA</a:t>
             </a:r>
             <a:r>
               <a:rPr lang="en-US" dirty="0" smtClean="0">
@@ -11614,13 +11757,13 @@
                   <a:schemeClr val="bg1"/>
                 </a:solidFill>
               </a:rPr>
-              <a:t> – R statistics essential training</a:t>
+              <a:t> – Just a ton of cool stuff about stats and R</a:t>
             </a:r>
           </a:p>
           <a:p>
             <a:r>
               <a:rPr lang="en-US" dirty="0" smtClean="0"/>
-              <a:t>Code School </a:t>
+              <a:t>StackOverflow</a:t>
             </a:r>
             <a:r>
               <a:rPr lang="en-US" dirty="0" smtClean="0">
@@ -11628,9 +11771,18 @@
                   <a:schemeClr val="bg1"/>
                 </a:solidFill>
               </a:rPr>
-              <a:t>– a very soft introduction to R</a:t>
-            </a:r>
-            <a:endParaRPr lang="en-US" dirty="0">
+              <a:t> – This is where you ask a question if you have a problem!</a:t>
+            </a:r>
+            <a:r>
+              <a:rPr lang="en-US" dirty="0" smtClean="0">
+                <a:solidFill>
+                  <a:schemeClr val="bg1"/>
+                </a:solidFill>
+                <a:sym typeface="Wingdings"/>
+              </a:rPr>
+              <a:t></a:t>
+            </a:r>
+            <a:endParaRPr lang="en-US" dirty="0" smtClean="0">
               <a:solidFill>
                 <a:schemeClr val="bg1"/>
               </a:solidFill>
@@ -11639,7 +11791,7 @@
           <a:p>
             <a:r>
               <a:rPr lang="en-US" dirty="0" smtClean="0"/>
-              <a:t>DataCamp</a:t>
+              <a:t>Rstudio</a:t>
             </a:r>
             <a:r>
               <a:rPr lang="en-US" dirty="0" smtClean="0">
@@ -11647,44 +11799,115 @@
                   <a:schemeClr val="bg1"/>
                 </a:solidFill>
               </a:rPr>
-              <a:t> – Learn R for data science</a:t>
-            </a:r>
-          </a:p>
-          <a:p>
-            <a:r>
-              <a:rPr lang="en-US" dirty="0" smtClean="0"/>
-              <a:t>edX</a:t>
-            </a:r>
-            <a:r>
-              <a:rPr lang="en-US" dirty="0" smtClean="0">
-                <a:solidFill>
-                  <a:schemeClr val="bg1"/>
-                </a:solidFill>
-              </a:rPr>
-              <a:t> – Intro to R for data science – powered by Microsoft</a:t>
-            </a:r>
-          </a:p>
-          <a:p>
-            <a:r>
-              <a:rPr lang="en-US" dirty="0" smtClean="0"/>
-              <a:t>Coursera</a:t>
-            </a:r>
-            <a:r>
-              <a:rPr lang="en-US" dirty="0" smtClean="0">
-                <a:solidFill>
-                  <a:schemeClr val="bg1"/>
-                </a:solidFill>
-              </a:rPr>
-              <a:t> – Data science specialization (Johns Hopkins University) – the most time consuming option)</a:t>
-            </a:r>
-            <a:endParaRPr lang="en-US" dirty="0">
+              <a:t> - webinars by </a:t>
+            </a:r>
+            <a:r>
+              <a:rPr lang="en-US" dirty="0" err="1" smtClean="0">
+                <a:solidFill>
+                  <a:schemeClr val="bg1"/>
+                </a:solidFill>
+              </a:rPr>
+              <a:t>Rstudio</a:t>
+            </a:r>
+            <a:endParaRPr lang="en-US" dirty="0" smtClean="0">
               <a:solidFill>
                 <a:schemeClr val="bg1"/>
               </a:solidFill>
             </a:endParaRPr>
           </a:p>
           <a:p>
-            <a:endParaRPr lang="en-US" dirty="0">
+            <a:r>
+              <a:rPr lang="en-US" dirty="0" smtClean="0"/>
+              <a:t>Books: </a:t>
+            </a:r>
+            <a:r>
+              <a:rPr lang="en-US" dirty="0" smtClean="0">
+                <a:solidFill>
+                  <a:schemeClr val="bg1"/>
+                </a:solidFill>
+              </a:rPr>
+              <a:t>The R </a:t>
+            </a:r>
+            <a:r>
+              <a:rPr lang="en-US" dirty="0" smtClean="0">
+                <a:solidFill>
+                  <a:schemeClr val="bg1"/>
+                </a:solidFill>
+              </a:rPr>
+              <a:t>Cookbook (</a:t>
+            </a:r>
+            <a:r>
+              <a:rPr lang="en-US" dirty="0" err="1" smtClean="0">
+                <a:solidFill>
+                  <a:schemeClr val="bg1"/>
+                </a:solidFill>
+              </a:rPr>
+              <a:t>Teetor</a:t>
+            </a:r>
+            <a:r>
+              <a:rPr lang="en-US" dirty="0" smtClean="0">
+                <a:solidFill>
+                  <a:schemeClr val="bg1"/>
+                </a:solidFill>
+              </a:rPr>
+              <a:t>, 2011), </a:t>
+            </a:r>
+            <a:r>
+              <a:rPr lang="en-US" dirty="0" smtClean="0">
+                <a:solidFill>
+                  <a:schemeClr val="bg1"/>
+                </a:solidFill>
+              </a:rPr>
+              <a:t>Elegant Graphics for Data Analysis (</a:t>
+            </a:r>
+            <a:r>
+              <a:rPr lang="en-US" dirty="0" smtClean="0">
+                <a:solidFill>
+                  <a:schemeClr val="bg1"/>
+                </a:solidFill>
+              </a:rPr>
+              <a:t>Wickham, 2016), </a:t>
+            </a:r>
+            <a:r>
+              <a:rPr lang="en-US" dirty="0" smtClean="0">
+                <a:solidFill>
+                  <a:schemeClr val="bg1"/>
+                </a:solidFill>
+              </a:rPr>
+              <a:t>R for Excel Analysts (Taveras, 2016</a:t>
+            </a:r>
+            <a:r>
+              <a:rPr lang="en-US" dirty="0" smtClean="0">
+                <a:solidFill>
+                  <a:schemeClr val="bg1"/>
+                </a:solidFill>
+              </a:rPr>
+              <a:t>), R for Data Science (Wickham &amp; </a:t>
+            </a:r>
+            <a:r>
+              <a:rPr lang="en-US" dirty="0" err="1" smtClean="0">
+                <a:solidFill>
+                  <a:schemeClr val="bg1"/>
+                </a:solidFill>
+              </a:rPr>
+              <a:t>Grolemund</a:t>
+            </a:r>
+            <a:r>
+              <a:rPr lang="en-US" dirty="0" smtClean="0">
+                <a:solidFill>
+                  <a:schemeClr val="bg1"/>
+                </a:solidFill>
+              </a:rPr>
+              <a:t>, 2017)</a:t>
+            </a:r>
+            <a:endParaRPr lang="en-US" dirty="0" smtClean="0">
+              <a:solidFill>
+                <a:schemeClr val="bg1"/>
+              </a:solidFill>
+            </a:endParaRPr>
+          </a:p>
+          <a:p>
+            <a:endParaRPr lang="en-US" dirty="0" smtClean="0">
               <a:solidFill>
                 <a:schemeClr val="bg1"/>
               </a:solidFill>
@@ -11721,7 +11944,7 @@
     </p:spTree>
     <p:extLst>
       <p:ext uri="{BB962C8B-B14F-4D97-AF65-F5344CB8AC3E}">
-        <p14:creationId xmlns:p14="http://schemas.microsoft.com/office/powerpoint/2010/main" val="91428536"/>
+        <p14:creationId xmlns:p14="http://schemas.microsoft.com/office/powerpoint/2010/main" val="1602427035"/>
       </p:ext>
     </p:extLst>
   </p:cSld>
@@ -11777,140 +12000,13 @@
                   <a:schemeClr val="bg1"/>
                 </a:solidFill>
               </a:rPr>
-              <a:t>Resources</a:t>
+              <a:t>“Traditional” excel spread-sheet</a:t>
             </a:r>
             <a:endParaRPr lang="en-US" dirty="0">
               <a:solidFill>
                 <a:schemeClr val="bg1"/>
               </a:solidFill>
             </a:endParaRPr>
-          </a:p>
-        </p:txBody>
-      </p:sp>
-      <p:sp>
-        <p:nvSpPr>
-          <p:cNvPr id="3" name="Content Placeholder 2"/>
-          <p:cNvSpPr>
-            <a:spLocks noGrp="1"/>
-          </p:cNvSpPr>
-          <p:nvPr>
-            <p:ph idx="1"/>
-          </p:nvPr>
-        </p:nvSpPr>
-        <p:spPr>
-          <a:xfrm>
-            <a:off x="838200" y="1599994"/>
-            <a:ext cx="10515600" cy="4351338"/>
-          </a:xfrm>
-        </p:spPr>
-        <p:txBody>
-          <a:bodyPr/>
-          <a:lstStyle/>
-          <a:p>
-            <a:r>
-              <a:rPr lang="en-US" dirty="0" smtClean="0"/>
-              <a:t>QuickR</a:t>
-            </a:r>
-          </a:p>
-          <a:p>
-            <a:r>
-              <a:rPr lang="en-US" dirty="0" smtClean="0"/>
-              <a:t>Rbloggers</a:t>
-            </a:r>
-            <a:r>
-              <a:rPr lang="en-US" dirty="0" smtClean="0">
-                <a:solidFill>
-                  <a:schemeClr val="bg1"/>
-                </a:solidFill>
-              </a:rPr>
-              <a:t> – R news and tutorials (580 contributors!!)</a:t>
-            </a:r>
-          </a:p>
-          <a:p>
-            <a:r>
-              <a:rPr lang="en-US" dirty="0" smtClean="0"/>
-              <a:t>STHDA</a:t>
-            </a:r>
-            <a:r>
-              <a:rPr lang="en-US" dirty="0" smtClean="0">
-                <a:solidFill>
-                  <a:schemeClr val="bg1"/>
-                </a:solidFill>
-              </a:rPr>
-              <a:t> – Just a ton of cool stuff about stats and R</a:t>
-            </a:r>
-          </a:p>
-          <a:p>
-            <a:r>
-              <a:rPr lang="en-US" dirty="0" smtClean="0"/>
-              <a:t>StackOverflow</a:t>
-            </a:r>
-            <a:r>
-              <a:rPr lang="en-US" dirty="0" smtClean="0">
-                <a:solidFill>
-                  <a:schemeClr val="bg1"/>
-                </a:solidFill>
-              </a:rPr>
-              <a:t> – This is where you ask a question if you have a problem!</a:t>
-            </a:r>
-            <a:r>
-              <a:rPr lang="en-US" dirty="0" smtClean="0">
-                <a:solidFill>
-                  <a:schemeClr val="bg1"/>
-                </a:solidFill>
-                <a:sym typeface="Wingdings"/>
-              </a:rPr>
-              <a:t></a:t>
-            </a:r>
-            <a:endParaRPr lang="en-US" dirty="0" smtClean="0">
-              <a:solidFill>
-                <a:schemeClr val="bg1"/>
-              </a:solidFill>
-            </a:endParaRPr>
-          </a:p>
-          <a:p>
-            <a:r>
-              <a:rPr lang="en-US" dirty="0" smtClean="0"/>
-              <a:t>Rstudio</a:t>
-            </a:r>
-            <a:r>
-              <a:rPr lang="en-US" dirty="0" smtClean="0">
-                <a:solidFill>
-                  <a:schemeClr val="bg1"/>
-                </a:solidFill>
-              </a:rPr>
-              <a:t> - webinars by </a:t>
-            </a:r>
-            <a:r>
-              <a:rPr lang="en-US" dirty="0" err="1" smtClean="0">
-                <a:solidFill>
-                  <a:schemeClr val="bg1"/>
-                </a:solidFill>
-              </a:rPr>
-              <a:t>Rstudio</a:t>
-            </a:r>
-            <a:endParaRPr lang="en-US" dirty="0" smtClean="0">
-              <a:solidFill>
-                <a:schemeClr val="bg1"/>
-              </a:solidFill>
-            </a:endParaRPr>
-          </a:p>
-          <a:p>
-            <a:r>
-              <a:rPr lang="en-US" dirty="0" smtClean="0"/>
-              <a:t>Books: </a:t>
-            </a:r>
-            <a:r>
-              <a:rPr lang="en-US" dirty="0" smtClean="0">
-                <a:solidFill>
-                  <a:schemeClr val="bg1"/>
-                </a:solidFill>
-              </a:rPr>
-              <a:t>The R Cookbook, Elegant Graphics for Data Analysis (Wickham)</a:t>
-            </a:r>
-          </a:p>
-          <a:p>
-            <a:endParaRPr lang="en-US" dirty="0"/>
           </a:p>
         </p:txBody>
       </p:sp>
@@ -11937,10 +12033,40 @@
           </a:p>
         </p:txBody>
       </p:sp>
+      <p:pic>
+        <p:nvPicPr>
+          <p:cNvPr id="3" name="Picture 2"/>
+          <p:cNvPicPr>
+            <a:picLocks noChangeAspect="1"/>
+          </p:cNvPicPr>
+          <p:nvPr/>
+        </p:nvPicPr>
+        <p:blipFill>
+          <a:blip r:embed="rId2">
+            <a:extLst>
+              <a:ext uri="{28A0092B-C50C-407E-A947-70E740481C1C}">
+                <a14:useLocalDpi xmlns:a14="http://schemas.microsoft.com/office/drawing/2010/main" val="0"/>
+              </a:ext>
+            </a:extLst>
+          </a:blip>
+          <a:stretch>
+            <a:fillRect/>
+          </a:stretch>
+        </p:blipFill>
+        <p:spPr>
+          <a:xfrm>
+            <a:off x="2393020" y="1027906"/>
+            <a:ext cx="7405959" cy="5500013"/>
+          </a:xfrm>
+          <a:prstGeom prst="rect">
+            <a:avLst/>
+          </a:prstGeom>
+        </p:spPr>
+      </p:pic>
     </p:spTree>
     <p:extLst>
       <p:ext uri="{BB962C8B-B14F-4D97-AF65-F5344CB8AC3E}">
-        <p14:creationId xmlns:p14="http://schemas.microsoft.com/office/powerpoint/2010/main" val="1602427035"/>
+        <p14:creationId xmlns:p14="http://schemas.microsoft.com/office/powerpoint/2010/main" val="299913160"/>
       </p:ext>
     </p:extLst>
   </p:cSld>

--- a/WhyR.pptx
+++ b/WhyR.pptx
@@ -401,7 +401,7 @@
           <a:p>
             <a:fld id="{DF1F5B32-5179-6C4A-AC67-723E700F44E7}" type="datetimeFigureOut">
               <a:rPr lang="en-US" smtClean="0"/>
-              <a:t>2/3/17</a:t>
+              <a:t>2/7/17</a:t>
             </a:fld>
             <a:endParaRPr lang="en-US"/>
           </a:p>
@@ -9745,7 +9745,7 @@
         </p:nvSpPr>
         <p:spPr>
           <a:xfrm>
-            <a:off x="838200" y="1484555"/>
+            <a:off x="838200" y="1161825"/>
             <a:ext cx="10515600" cy="4692408"/>
           </a:xfrm>
         </p:spPr>
@@ -9789,16 +9789,40 @@
                   <a:schemeClr val="bg1"/>
                 </a:solidFill>
               </a:rPr>
-              <a:t>New stats method &gt; chances are they come out in R first</a:t>
-            </a:r>
-          </a:p>
-          <a:p>
+              <a:t>New stats method &gt; chances are </a:t>
+            </a:r>
             <a:r>
               <a:rPr lang="en-US" dirty="0" smtClean="0">
                 <a:solidFill>
                   <a:schemeClr val="bg1"/>
                 </a:solidFill>
               </a:rPr>
+              <a:t>it</a:t>
+            </a:r>
+            <a:r>
+              <a:rPr lang="en-US" dirty="0" smtClean="0">
+                <a:solidFill>
+                  <a:schemeClr val="bg1"/>
+                </a:solidFill>
+              </a:rPr>
+              <a:t> comes </a:t>
+            </a:r>
+            <a:r>
+              <a:rPr lang="en-US" dirty="0" smtClean="0">
+                <a:solidFill>
+                  <a:schemeClr val="bg1"/>
+                </a:solidFill>
+              </a:rPr>
+              <a:t>out in R first</a:t>
+            </a:r>
+          </a:p>
+          <a:p>
+            <a:r>
+              <a:rPr lang="en-US" dirty="0" smtClean="0">
+                <a:solidFill>
+                  <a:schemeClr val="bg1"/>
+                </a:solidFill>
+              </a:rPr>
               <a:t>Workflow!! Unlike SPSS (GUI), step-by-step documentation (cf. </a:t>
             </a:r>
             <a:r>
@@ -9817,6 +9841,37 @@
               </a:rPr>
               <a:t>)</a:t>
             </a:r>
+          </a:p>
+          <a:p>
+            <a:r>
+              <a:rPr lang="en-US" dirty="0" smtClean="0">
+                <a:solidFill>
+                  <a:schemeClr val="bg1"/>
+                </a:solidFill>
+              </a:rPr>
+              <a:t>&gt; </a:t>
+            </a:r>
+            <a:r>
+              <a:rPr lang="en-US" smtClean="0">
+                <a:solidFill>
+                  <a:schemeClr val="bg1"/>
+                </a:solidFill>
+              </a:rPr>
+              <a:t>highly reproducible </a:t>
+            </a:r>
+            <a:r>
+              <a:rPr lang="en-US" dirty="0" smtClean="0">
+                <a:solidFill>
+                  <a:schemeClr val="bg1"/>
+                </a:solidFill>
+              </a:rPr>
+              <a:t>(code + steps)</a:t>
+            </a:r>
+            <a:endParaRPr lang="en-US" dirty="0" smtClean="0">
+              <a:solidFill>
+                <a:schemeClr val="bg1"/>
+              </a:solidFill>
+            </a:endParaRPr>
           </a:p>
           <a:p>
             <a:r>
@@ -10322,6 +10377,55 @@
                       </p:childTnLst>
                     </p:cTn>
                   </p:par>
+                  <p:par>
+                    <p:cTn id="35" fill="hold">
+                      <p:stCondLst>
+                        <p:cond delay="indefinite"/>
+                      </p:stCondLst>
+                      <p:childTnLst>
+                        <p:par>
+                          <p:cTn id="36" fill="hold">
+                            <p:stCondLst>
+                              <p:cond delay="0"/>
+                            </p:stCondLst>
+                            <p:childTnLst>
+                              <p:par>
+                                <p:cTn id="37" presetID="1" presetClass="entr" presetSubtype="0" fill="hold" grpId="0" nodeType="clickEffect">
+                                  <p:stCondLst>
+                                    <p:cond delay="0"/>
+                                  </p:stCondLst>
+                                  <p:childTnLst>
+                                    <p:set>
+                                      <p:cBhvr>
+                                        <p:cTn id="38" dur="1" fill="hold">
+                                          <p:stCondLst>
+                                            <p:cond delay="0"/>
+                                          </p:stCondLst>
+                                        </p:cTn>
+                                        <p:tgtEl>
+                                          <p:spTgt spid="3">
+                                            <p:txEl>
+                                              <p:pRg st="8" end="8"/>
+                                            </p:txEl>
+                                          </p:spTgt>
+                                        </p:tgtEl>
+                                        <p:attrNameLst>
+                                          <p:attrName>style.visibility</p:attrName>
+                                        </p:attrNameLst>
+                                      </p:cBhvr>
+                                      <p:to>
+                                        <p:strVal val="visible"/>
+                                      </p:to>
+                                    </p:set>
+                                  </p:childTnLst>
+                                </p:cTn>
+                              </p:par>
+                            </p:childTnLst>
+                          </p:cTn>
+                        </p:par>
+                      </p:childTnLst>
+                    </p:cTn>
+                  </p:par>
                 </p:childTnLst>
               </p:cTn>
               <p:prevCondLst>
@@ -11491,15 +11595,7 @@
                   <a:schemeClr val="bg1"/>
                 </a:solidFill>
               </a:rPr>
-              <a:t> – Up and running with </a:t>
-            </a:r>
-            <a:r>
-              <a:rPr lang="en-US" dirty="0" smtClean="0">
-                <a:solidFill>
-                  <a:schemeClr val="bg1"/>
-                </a:solidFill>
-              </a:rPr>
-              <a:t>R – one of the best and ‘softest</a:t>
+              <a:t> – Up and running with R – one of the best and ‘softest</a:t>
             </a:r>
             <a:r>
               <a:rPr lang="en-US" smtClean="0">
@@ -11587,15 +11683,7 @@
                   <a:schemeClr val="bg1"/>
                 </a:solidFill>
               </a:rPr>
-              <a:t> – Data science specialization (Johns Hopkins University) – the most time consuming </a:t>
-            </a:r>
-            <a:r>
-              <a:rPr lang="en-US" dirty="0" smtClean="0">
-                <a:solidFill>
-                  <a:schemeClr val="bg1"/>
-                </a:solidFill>
-              </a:rPr>
-              <a:t>option</a:t>
+              <a:t> – Data science specialization (Johns Hopkins University) – the most time consuming option</a:t>
             </a:r>
             <a:endParaRPr lang="en-US" dirty="0">
               <a:solidFill>
@@ -11826,7 +11914,15 @@
                   <a:schemeClr val="bg1"/>
                 </a:solidFill>
               </a:rPr>
-              <a:t>The R </a:t>
+              <a:t>The R Cookbook (</a:t>
+            </a:r>
+            <a:r>
+              <a:rPr lang="en-US" dirty="0" err="1" smtClean="0">
+                <a:solidFill>
+                  <a:schemeClr val="bg1"/>
+                </a:solidFill>
+              </a:rPr>
+              <a:t>Teetor</a:t>
             </a:r>
             <a:r>
               <a:rPr lang="en-US" dirty="0" smtClean="0">
@@ -11834,7 +11930,7 @@
                   <a:schemeClr val="bg1"/>
                 </a:solidFill>
               </a:rPr>
-              <a:t>Cookbook (</a:t>
+              <a:t>, 2011), Elegant Graphics for Data Analysis (Wickham, 2016), R for Excel Analysts (Taveras, 2016), R for Data Science (Wickham &amp; </a:t>
             </a:r>
             <a:r>
               <a:rPr lang="en-US" dirty="0" err="1" smtClean="0">
@@ -11842,7 +11938,7 @@
                   <a:schemeClr val="bg1"/>
                 </a:solidFill>
               </a:rPr>
-              <a:t>Teetor</a:t>
+              <a:t>Grolemund</a:t>
             </a:r>
             <a:r>
               <a:rPr lang="en-US" dirty="0" smtClean="0">
@@ -11850,61 +11946,8 @@
                   <a:schemeClr val="bg1"/>
                 </a:solidFill>
               </a:rPr>
-              <a:t>, 2011), </a:t>
-            </a:r>
-            <a:r>
-              <a:rPr lang="en-US" dirty="0" smtClean="0">
-                <a:solidFill>
-                  <a:schemeClr val="bg1"/>
-                </a:solidFill>
-              </a:rPr>
-              <a:t>Elegant Graphics for Data Analysis (</a:t>
-            </a:r>
-            <a:r>
-              <a:rPr lang="en-US" dirty="0" smtClean="0">
-                <a:solidFill>
-                  <a:schemeClr val="bg1"/>
-                </a:solidFill>
-              </a:rPr>
-              <a:t>Wickham, 2016), </a:t>
-            </a:r>
-            <a:r>
-              <a:rPr lang="en-US" dirty="0" smtClean="0">
-                <a:solidFill>
-                  <a:schemeClr val="bg1"/>
-                </a:solidFill>
-              </a:rPr>
-              <a:t>R for Excel Analysts (Taveras, 2016</a:t>
-            </a:r>
-            <a:r>
-              <a:rPr lang="en-US" dirty="0" smtClean="0">
-                <a:solidFill>
-                  <a:schemeClr val="bg1"/>
-                </a:solidFill>
-              </a:rPr>
-              <a:t>), R for Data Science (Wickham &amp; </a:t>
-            </a:r>
-            <a:r>
-              <a:rPr lang="en-US" dirty="0" err="1" smtClean="0">
-                <a:solidFill>
-                  <a:schemeClr val="bg1"/>
-                </a:solidFill>
-              </a:rPr>
-              <a:t>Grolemund</a:t>
-            </a:r>
-            <a:r>
-              <a:rPr lang="en-US" dirty="0" smtClean="0">
-                <a:solidFill>
-                  <a:schemeClr val="bg1"/>
-                </a:solidFill>
-              </a:rPr>
               <a:t>, 2017)</a:t>
             </a:r>
-            <a:endParaRPr lang="en-US" dirty="0" smtClean="0">
-              <a:solidFill>
-                <a:schemeClr val="bg1"/>
-              </a:solidFill>
-            </a:endParaRPr>
           </a:p>
           <a:p>
             <a:endParaRPr lang="en-US" dirty="0" smtClean="0">
